--- a/workshop/08_Unbreakable_Delivery_Pipeline/ACMWorkshop_Unbreakable_Delivery_Pipeline.pptx
+++ b/workshop/08_Unbreakable_Delivery_Pipeline/ACMWorkshop_Unbreakable_Delivery_Pipeline.pptx
@@ -31396,10 +31396,57 @@
       </p:grpSp>
       <p:sp>
         <p:nvSpPr>
-          <p:cNvPr id="64" name="Arrow: Right 63">
-            <a:extLst>
-              <a:ext uri="{FF2B5EF4-FFF2-40B4-BE49-F238E27FC236}">
-                <a16:creationId xmlns:a16="http://schemas.microsoft.com/office/drawing/2014/main" id="{1072B0D5-2B92-4D91-ADDF-99FA0E720C06}"/>
+          <p:cNvPr id="68" name="TextBox 67">
+            <a:extLst>
+              <a:ext uri="{FF2B5EF4-FFF2-40B4-BE49-F238E27FC236}">
+                <a16:creationId xmlns:a16="http://schemas.microsoft.com/office/drawing/2014/main" id="{E7411C58-3E9D-4D47-BB70-440589163175}"/>
+              </a:ext>
+            </a:extLst>
+          </p:cNvPr>
+          <p:cNvSpPr txBox="1"/>
+          <p:nvPr/>
+        </p:nvSpPr>
+        <p:spPr>
+          <a:xfrm>
+            <a:off x="10300061" y="3708440"/>
+            <a:ext cx="1389668" cy="334991"/>
+          </a:xfrm>
+          <a:prstGeom prst="rect">
+            <a:avLst/>
+          </a:prstGeom>
+          <a:noFill/>
+        </p:spPr>
+        <p:txBody>
+          <a:bodyPr wrap="none" lIns="0" tIns="0" rIns="0" bIns="0" rtlCol="0">
+            <a:normAutofit/>
+          </a:bodyPr>
+          <a:lstStyle/>
+          <a:p>
+            <a:pPr algn="ctr" defTabSz="1219170">
+              <a:lnSpc>
+                <a:spcPct val="120000"/>
+              </a:lnSpc>
+            </a:pPr>
+            <a:r>
+              <a:rPr lang="en-US" sz="1400" dirty="0">
+                <a:solidFill>
+                  <a:srgbClr val="454646"/>
+                </a:solidFill>
+                <a:latin typeface="Calibri Light" charset="0"/>
+                <a:ea typeface="Calibri Light" charset="0"/>
+                <a:cs typeface="Calibri Light" charset="0"/>
+              </a:rPr>
+              <a:t>Manual Rollback</a:t>
+            </a:r>
+          </a:p>
+        </p:txBody>
+      </p:sp>
+      <p:sp>
+        <p:nvSpPr>
+          <p:cNvPr id="69" name="Arrow: Right 68">
+            <a:extLst>
+              <a:ext uri="{FF2B5EF4-FFF2-40B4-BE49-F238E27FC236}">
+                <a16:creationId xmlns:a16="http://schemas.microsoft.com/office/drawing/2014/main" id="{9FC26D1F-92F0-4E5C-A6A3-873391E1E3D5}"/>
               </a:ext>
             </a:extLst>
           </p:cNvPr>
@@ -31408,7 +31455,7 @@
         </p:nvSpPr>
         <p:spPr>
           <a:xfrm rot="5400000">
-            <a:off x="1286711" y="4820151"/>
+            <a:off x="10829393" y="4733541"/>
             <a:ext cx="335216" cy="372905"/>
           </a:xfrm>
           <a:prstGeom prst="rightArrow">
@@ -31456,177 +31503,6 @@
           </a:p>
         </p:txBody>
       </p:sp>
-      <p:sp>
-        <p:nvSpPr>
-          <p:cNvPr id="65" name="Arrow: Right 64">
-            <a:extLst>
-              <a:ext uri="{FF2B5EF4-FFF2-40B4-BE49-F238E27FC236}">
-                <a16:creationId xmlns:a16="http://schemas.microsoft.com/office/drawing/2014/main" id="{B53F5B8F-CEC5-4325-A374-02EFB0CE3EFD}"/>
-              </a:ext>
-            </a:extLst>
-          </p:cNvPr>
-          <p:cNvSpPr/>
-          <p:nvPr/>
-        </p:nvSpPr>
-        <p:spPr>
-          <a:xfrm rot="5400000">
-            <a:off x="5998877" y="4820151"/>
-            <a:ext cx="335216" cy="372905"/>
-          </a:xfrm>
-          <a:prstGeom prst="rightArrow">
-            <a:avLst/>
-          </a:prstGeom>
-          <a:solidFill>
-            <a:schemeClr val="accent3"/>
-          </a:solidFill>
-          <a:ln>
-            <a:noFill/>
-          </a:ln>
-        </p:spPr>
-        <p:style>
-          <a:lnRef idx="0">
-            <a:scrgbClr r="0" g="0" b="0"/>
-          </a:lnRef>
-          <a:fillRef idx="0">
-            <a:scrgbClr r="0" g="0" b="0"/>
-          </a:fillRef>
-          <a:effectRef idx="0">
-            <a:scrgbClr r="0" g="0" b="0"/>
-          </a:effectRef>
-          <a:fontRef idx="minor">
-            <a:schemeClr val="lt1"/>
-          </a:fontRef>
-        </p:style>
-        <p:txBody>
-          <a:bodyPr rot="0" spcFirstLastPara="0" vertOverflow="overflow" horzOverflow="overflow" vert="horz" wrap="square" lIns="121920" tIns="60960" rIns="121920" bIns="60960" numCol="1" spcCol="0" rtlCol="0" fromWordArt="0" anchor="ctr" anchorCtr="0" forceAA="0" compatLnSpc="1">
-            <a:prstTxWarp prst="textNoShape">
-              <a:avLst/>
-            </a:prstTxWarp>
-            <a:noAutofit/>
-          </a:bodyPr>
-          <a:lstStyle/>
-          <a:p>
-            <a:pPr algn="ctr" defTabSz="1219170"/>
-            <a:endParaRPr lang="en-US" sz="2400">
-              <a:solidFill>
-                <a:srgbClr val="FFFFFF"/>
-              </a:solidFill>
-              <a:latin typeface="Calibri Light" charset="0"/>
-              <a:ea typeface="Calibri Light" charset="0"/>
-              <a:cs typeface="Calibri Light" charset="0"/>
-            </a:endParaRPr>
-          </a:p>
-        </p:txBody>
-      </p:sp>
-      <p:sp>
-        <p:nvSpPr>
-          <p:cNvPr id="68" name="TextBox 67">
-            <a:extLst>
-              <a:ext uri="{FF2B5EF4-FFF2-40B4-BE49-F238E27FC236}">
-                <a16:creationId xmlns:a16="http://schemas.microsoft.com/office/drawing/2014/main" id="{E7411C58-3E9D-4D47-BB70-440589163175}"/>
-              </a:ext>
-            </a:extLst>
-          </p:cNvPr>
-          <p:cNvSpPr txBox="1"/>
-          <p:nvPr/>
-        </p:nvSpPr>
-        <p:spPr>
-          <a:xfrm>
-            <a:off x="10300061" y="3708440"/>
-            <a:ext cx="1389668" cy="334991"/>
-          </a:xfrm>
-          <a:prstGeom prst="rect">
-            <a:avLst/>
-          </a:prstGeom>
-          <a:noFill/>
-        </p:spPr>
-        <p:txBody>
-          <a:bodyPr wrap="none" lIns="0" tIns="0" rIns="0" bIns="0" rtlCol="0">
-            <a:normAutofit/>
-          </a:bodyPr>
-          <a:lstStyle/>
-          <a:p>
-            <a:pPr algn="ctr" defTabSz="1219170">
-              <a:lnSpc>
-                <a:spcPct val="120000"/>
-              </a:lnSpc>
-            </a:pPr>
-            <a:r>
-              <a:rPr lang="en-US" sz="1400" dirty="0">
-                <a:solidFill>
-                  <a:srgbClr val="454646"/>
-                </a:solidFill>
-                <a:latin typeface="Calibri Light" charset="0"/>
-                <a:ea typeface="Calibri Light" charset="0"/>
-                <a:cs typeface="Calibri Light" charset="0"/>
-              </a:rPr>
-              <a:t>Manual Rollback</a:t>
-            </a:r>
-          </a:p>
-        </p:txBody>
-      </p:sp>
-      <p:sp>
-        <p:nvSpPr>
-          <p:cNvPr id="69" name="Arrow: Right 68">
-            <a:extLst>
-              <a:ext uri="{FF2B5EF4-FFF2-40B4-BE49-F238E27FC236}">
-                <a16:creationId xmlns:a16="http://schemas.microsoft.com/office/drawing/2014/main" id="{9FC26D1F-92F0-4E5C-A6A3-873391E1E3D5}"/>
-              </a:ext>
-            </a:extLst>
-          </p:cNvPr>
-          <p:cNvSpPr/>
-          <p:nvPr/>
-        </p:nvSpPr>
-        <p:spPr>
-          <a:xfrm rot="5400000">
-            <a:off x="10829393" y="4733541"/>
-            <a:ext cx="335216" cy="372905"/>
-          </a:xfrm>
-          <a:prstGeom prst="rightArrow">
-            <a:avLst/>
-          </a:prstGeom>
-          <a:solidFill>
-            <a:schemeClr val="accent3"/>
-          </a:solidFill>
-          <a:ln>
-            <a:noFill/>
-          </a:ln>
-        </p:spPr>
-        <p:style>
-          <a:lnRef idx="0">
-            <a:scrgbClr r="0" g="0" b="0"/>
-          </a:lnRef>
-          <a:fillRef idx="0">
-            <a:scrgbClr r="0" g="0" b="0"/>
-          </a:fillRef>
-          <a:effectRef idx="0">
-            <a:scrgbClr r="0" g="0" b="0"/>
-          </a:effectRef>
-          <a:fontRef idx="minor">
-            <a:schemeClr val="lt1"/>
-          </a:fontRef>
-        </p:style>
-        <p:txBody>
-          <a:bodyPr rot="0" spcFirstLastPara="0" vertOverflow="overflow" horzOverflow="overflow" vert="horz" wrap="square" lIns="121920" tIns="60960" rIns="121920" bIns="60960" numCol="1" spcCol="0" rtlCol="0" fromWordArt="0" anchor="ctr" anchorCtr="0" forceAA="0" compatLnSpc="1">
-            <a:prstTxWarp prst="textNoShape">
-              <a:avLst/>
-            </a:prstTxWarp>
-            <a:noAutofit/>
-          </a:bodyPr>
-          <a:lstStyle/>
-          <a:p>
-            <a:pPr algn="ctr" defTabSz="1219170"/>
-            <a:endParaRPr lang="en-US" sz="2400">
-              <a:solidFill>
-                <a:srgbClr val="FFFFFF"/>
-              </a:solidFill>
-              <a:latin typeface="Calibri Light" charset="0"/>
-              <a:ea typeface="Calibri Light" charset="0"/>
-              <a:cs typeface="Calibri Light" charset="0"/>
-            </a:endParaRPr>
-          </a:p>
-        </p:txBody>
-      </p:sp>
       <p:pic>
         <p:nvPicPr>
           <p:cNvPr id="70" name="Picture 12" descr="Image result for icon hand with finger">
@@ -32024,52 +31900,6 @@
           </a:p>
         </p:txBody>
       </p:sp>
-      <p:sp>
-        <p:nvSpPr>
-          <p:cNvPr id="78" name="TextBox 77">
-            <a:extLst>
-              <a:ext uri="{FF2B5EF4-FFF2-40B4-BE49-F238E27FC236}">
-                <a16:creationId xmlns:a16="http://schemas.microsoft.com/office/drawing/2014/main" id="{02BEFFFC-95AD-4BC9-8901-C6647AF56AAF}"/>
-              </a:ext>
-            </a:extLst>
-          </p:cNvPr>
-          <p:cNvSpPr txBox="1"/>
-          <p:nvPr/>
-        </p:nvSpPr>
-        <p:spPr>
-          <a:xfrm>
-            <a:off x="2650051" y="6645"/>
-            <a:ext cx="9603983" cy="1446550"/>
-          </a:xfrm>
-          <a:prstGeom prst="rect">
-            <a:avLst/>
-          </a:prstGeom>
-          <a:solidFill>
-            <a:srgbClr val="FFC000"/>
-          </a:solidFill>
-        </p:spPr>
-        <p:txBody>
-          <a:bodyPr wrap="square" rtlCol="0">
-            <a:spAutoFit/>
-          </a:bodyPr>
-          <a:lstStyle/>
-          <a:p>
-            <a:r>
-              <a:rPr lang="de-DE" sz="8800" dirty="0" err="1"/>
-              <a:t>work</a:t>
-            </a:r>
-            <a:r>
-              <a:rPr lang="de-DE" sz="8800" dirty="0"/>
-              <a:t> in </a:t>
-            </a:r>
-            <a:r>
-              <a:rPr lang="de-DE" sz="8800" dirty="0" err="1"/>
-              <a:t>progress</a:t>
-            </a:r>
-            <a:endParaRPr lang="de-AT" sz="8800" dirty="0"/>
-          </a:p>
-        </p:txBody>
-      </p:sp>
       <p:pic>
         <p:nvPicPr>
           <p:cNvPr id="79" name="Picture 78">
@@ -32241,108 +32071,66 @@
           </a:extLst>
         </p:spPr>
       </p:pic>
-      <p:sp>
-        <p:nvSpPr>
-          <p:cNvPr id="86" name="TextBox 85">
-            <a:extLst>
-              <a:ext uri="{FF2B5EF4-FFF2-40B4-BE49-F238E27FC236}">
-                <a16:creationId xmlns:a16="http://schemas.microsoft.com/office/drawing/2014/main" id="{E4F0F84E-B6AC-451F-A9C9-1A25D7EC17F9}"/>
-              </a:ext>
-            </a:extLst>
-          </p:cNvPr>
-          <p:cNvSpPr txBox="1"/>
+      <p:pic>
+        <p:nvPicPr>
+          <p:cNvPr id="2" name="Picture 1">
+            <a:extLst>
+              <a:ext uri="{FF2B5EF4-FFF2-40B4-BE49-F238E27FC236}">
+                <a16:creationId xmlns:a16="http://schemas.microsoft.com/office/drawing/2014/main" id="{D0CC61C4-BA8E-450F-BBB5-296F6843F428}"/>
+              </a:ext>
+            </a:extLst>
+          </p:cNvPr>
+          <p:cNvPicPr>
+            <a:picLocks noChangeAspect="1"/>
+          </p:cNvPicPr>
           <p:nvPr/>
-        </p:nvSpPr>
+        </p:nvPicPr>
+        <p:blipFill>
+          <a:blip r:embed="rId15"/>
+          <a:stretch>
+            <a:fillRect/>
+          </a:stretch>
+        </p:blipFill>
         <p:spPr>
           <a:xfrm>
-            <a:off x="666242" y="3600653"/>
-            <a:ext cx="1540452" cy="646331"/>
+            <a:off x="487106" y="3620516"/>
+            <a:ext cx="1923004" cy="874479"/>
           </a:xfrm>
           <a:prstGeom prst="rect">
             <a:avLst/>
           </a:prstGeom>
-          <a:noFill/>
-          <a:ln>
-            <a:solidFill>
-              <a:schemeClr val="tx2">
-                <a:lumMod val="75000"/>
-              </a:schemeClr>
-            </a:solidFill>
-          </a:ln>
-        </p:spPr>
-        <p:txBody>
-          <a:bodyPr wrap="square" rtlCol="0">
-            <a:spAutoFit/>
-          </a:bodyPr>
-          <a:lstStyle/>
-          <a:p>
-            <a:r>
-              <a:rPr lang="de-DE" dirty="0"/>
-              <a:t>Show </a:t>
-            </a:r>
-            <a:r>
-              <a:rPr lang="de-DE" dirty="0" err="1"/>
-              <a:t>service</a:t>
-            </a:r>
-            <a:r>
-              <a:rPr lang="de-DE" dirty="0"/>
-              <a:t> + tags</a:t>
-            </a:r>
-            <a:endParaRPr lang="de-AT" dirty="0"/>
-          </a:p>
-        </p:txBody>
-      </p:sp>
-      <p:sp>
-        <p:nvSpPr>
-          <p:cNvPr id="87" name="TextBox 86">
-            <a:extLst>
-              <a:ext uri="{FF2B5EF4-FFF2-40B4-BE49-F238E27FC236}">
-                <a16:creationId xmlns:a16="http://schemas.microsoft.com/office/drawing/2014/main" id="{9AE994D9-5A14-4C58-A018-A361CA139A8F}"/>
-              </a:ext>
-            </a:extLst>
-          </p:cNvPr>
-          <p:cNvSpPr txBox="1"/>
+        </p:spPr>
+      </p:pic>
+      <p:pic>
+        <p:nvPicPr>
+          <p:cNvPr id="3" name="Picture 2">
+            <a:extLst>
+              <a:ext uri="{FF2B5EF4-FFF2-40B4-BE49-F238E27FC236}">
+                <a16:creationId xmlns:a16="http://schemas.microsoft.com/office/drawing/2014/main" id="{937DE085-36B3-4C34-9870-F5A1E0ACF22C}"/>
+              </a:ext>
+            </a:extLst>
+          </p:cNvPr>
+          <p:cNvPicPr>
+            <a:picLocks noChangeAspect="1"/>
+          </p:cNvPicPr>
           <p:nvPr/>
-        </p:nvSpPr>
+        </p:nvPicPr>
+        <p:blipFill>
+          <a:blip r:embed="rId16"/>
+          <a:stretch>
+            <a:fillRect/>
+          </a:stretch>
+        </p:blipFill>
         <p:spPr>
           <a:xfrm>
-            <a:off x="5468834" y="3647661"/>
-            <a:ext cx="1540452" cy="646331"/>
+            <a:off x="5210179" y="3599299"/>
+            <a:ext cx="1917077" cy="956438"/>
           </a:xfrm>
           <a:prstGeom prst="rect">
             <a:avLst/>
           </a:prstGeom>
-          <a:noFill/>
-          <a:ln>
-            <a:solidFill>
-              <a:schemeClr val="tx2">
-                <a:lumMod val="75000"/>
-              </a:schemeClr>
-            </a:solidFill>
-          </a:ln>
-        </p:spPr>
-        <p:txBody>
-          <a:bodyPr wrap="square" rtlCol="0">
-            <a:spAutoFit/>
-          </a:bodyPr>
-          <a:lstStyle/>
-          <a:p>
-            <a:r>
-              <a:rPr lang="de-DE" dirty="0"/>
-              <a:t>Show </a:t>
-            </a:r>
-            <a:r>
-              <a:rPr lang="de-DE" dirty="0" err="1"/>
-              <a:t>service</a:t>
-            </a:r>
-            <a:r>
-              <a:rPr lang="de-DE" dirty="0"/>
-              <a:t> + tags</a:t>
-            </a:r>
-            <a:endParaRPr lang="de-AT" dirty="0"/>
-          </a:p>
-        </p:txBody>
-      </p:sp>
+        </p:spPr>
+      </p:pic>
     </p:spTree>
     <p:extLst>
       <p:ext uri="{BB962C8B-B14F-4D97-AF65-F5344CB8AC3E}">
@@ -32513,21 +32301,39 @@
                                   </p:childTnLst>
                                 </p:cTn>
                               </p:par>
+                            </p:childTnLst>
+                          </p:cTn>
+                        </p:par>
+                      </p:childTnLst>
+                    </p:cTn>
+                  </p:par>
+                  <p:par>
+                    <p:cTn id="17" fill="hold">
+                      <p:stCondLst>
+                        <p:cond delay="indefinite"/>
+                      </p:stCondLst>
+                      <p:childTnLst>
+                        <p:par>
+                          <p:cTn id="18" fill="hold">
+                            <p:stCondLst>
+                              <p:cond delay="0"/>
+                            </p:stCondLst>
+                            <p:childTnLst>
                               <p:par>
-                                <p:cTn id="17" presetID="10" presetClass="entr" presetSubtype="0" fill="hold" grpId="0" nodeType="withEffect">
+                                <p:cTn id="19" presetID="10" presetClass="entr" presetSubtype="0" fill="hold" nodeType="clickEffect">
                                   <p:stCondLst>
                                     <p:cond delay="0"/>
                                   </p:stCondLst>
                                   <p:childTnLst>
                                     <p:set>
                                       <p:cBhvr>
-                                        <p:cTn id="18" dur="1" fill="hold">
+                                        <p:cTn id="20" dur="1" fill="hold">
                                           <p:stCondLst>
                                             <p:cond delay="0"/>
                                           </p:stCondLst>
                                         </p:cTn>
                                         <p:tgtEl>
-                                          <p:spTgt spid="64"/>
+                                          <p:spTgt spid="50"/>
                                         </p:tgtEl>
                                         <p:attrNameLst>
                                           <p:attrName>style.visibility</p:attrName>
@@ -32539,9 +32345,114 @@
                                     </p:set>
                                     <p:animEffect transition="in" filter="fade">
                                       <p:cBhvr>
-                                        <p:cTn id="19" dur="500"/>
-                                        <p:tgtEl>
-                                          <p:spTgt spid="64"/>
+                                        <p:cTn id="21" dur="500"/>
+                                        <p:tgtEl>
+                                          <p:spTgt spid="50"/>
+                                        </p:tgtEl>
+                                      </p:cBhvr>
+                                    </p:animEffect>
+                                  </p:childTnLst>
+                                </p:cTn>
+                              </p:par>
+                              <p:par>
+                                <p:cTn id="22" presetID="10" presetClass="entr" presetSubtype="0" fill="hold" grpId="0" nodeType="withEffect">
+                                  <p:stCondLst>
+                                    <p:cond delay="0"/>
+                                  </p:stCondLst>
+                                  <p:childTnLst>
+                                    <p:set>
+                                      <p:cBhvr>
+                                        <p:cTn id="23" dur="1" fill="hold">
+                                          <p:stCondLst>
+                                            <p:cond delay="0"/>
+                                          </p:stCondLst>
+                                        </p:cTn>
+                                        <p:tgtEl>
+                                          <p:spTgt spid="9"/>
+                                        </p:tgtEl>
+                                        <p:attrNameLst>
+                                          <p:attrName>style.visibility</p:attrName>
+                                        </p:attrNameLst>
+                                      </p:cBhvr>
+                                      <p:to>
+                                        <p:strVal val="visible"/>
+                                      </p:to>
+                                    </p:set>
+                                    <p:animEffect transition="in" filter="fade">
+                                      <p:cBhvr>
+                                        <p:cTn id="24" dur="500"/>
+                                        <p:tgtEl>
+                                          <p:spTgt spid="9"/>
+                                        </p:tgtEl>
+                                      </p:cBhvr>
+                                    </p:animEffect>
+                                  </p:childTnLst>
+                                </p:cTn>
+                              </p:par>
+                              <p:par>
+                                <p:cTn id="25" presetID="10" presetClass="entr" presetSubtype="0" fill="hold" nodeType="withEffect">
+                                  <p:stCondLst>
+                                    <p:cond delay="0"/>
+                                  </p:stCondLst>
+                                  <p:childTnLst>
+                                    <p:set>
+                                      <p:cBhvr>
+                                        <p:cTn id="26" dur="1" fill="hold">
+                                          <p:stCondLst>
+                                            <p:cond delay="0"/>
+                                          </p:stCondLst>
+                                        </p:cTn>
+                                        <p:tgtEl>
+                                          <p:spTgt spid="5"/>
+                                        </p:tgtEl>
+                                        <p:attrNameLst>
+                                          <p:attrName>style.visibility</p:attrName>
+                                        </p:attrNameLst>
+                                      </p:cBhvr>
+                                      <p:to>
+                                        <p:strVal val="visible"/>
+                                      </p:to>
+                                    </p:set>
+                                    <p:animEffect transition="in" filter="fade">
+                                      <p:cBhvr>
+                                        <p:cTn id="27" dur="500"/>
+                                        <p:tgtEl>
+                                          <p:spTgt spid="5"/>
+                                        </p:tgtEl>
+                                      </p:cBhvr>
+                                    </p:animEffect>
+                                  </p:childTnLst>
+                                </p:cTn>
+                              </p:par>
+                              <p:par>
+                                <p:cTn id="28" presetID="10" presetClass="entr" presetSubtype="0" fill="hold" nodeType="withEffect">
+                                  <p:stCondLst>
+                                    <p:cond delay="0"/>
+                                  </p:stCondLst>
+                                  <p:childTnLst>
+                                    <p:set>
+                                      <p:cBhvr>
+                                        <p:cTn id="29" dur="1" fill="hold">
+                                          <p:stCondLst>
+                                            <p:cond delay="0"/>
+                                          </p:stCondLst>
+                                        </p:cTn>
+                                        <p:tgtEl>
+                                          <p:spTgt spid="43"/>
+                                        </p:tgtEl>
+                                        <p:attrNameLst>
+                                          <p:attrName>style.visibility</p:attrName>
+                                        </p:attrNameLst>
+                                      </p:cBhvr>
+                                      <p:to>
+                                        <p:strVal val="visible"/>
+                                      </p:to>
+                                    </p:set>
+                                    <p:animEffect transition="in" filter="fade">
+                                      <p:cBhvr>
+                                        <p:cTn id="30" dur="500"/>
+                                        <p:tgtEl>
+                                          <p:spTgt spid="43"/>
                                         </p:tgtEl>
                                       </p:cBhvr>
                                     </p:animEffect>
@@ -32555,32 +32466,32 @@
                     </p:cTn>
                   </p:par>
                   <p:par>
-                    <p:cTn id="20" fill="hold">
+                    <p:cTn id="31" fill="hold">
                       <p:stCondLst>
                         <p:cond delay="indefinite"/>
                       </p:stCondLst>
                       <p:childTnLst>
                         <p:par>
-                          <p:cTn id="21" fill="hold">
+                          <p:cTn id="32" fill="hold">
                             <p:stCondLst>
                               <p:cond delay="0"/>
                             </p:stCondLst>
                             <p:childTnLst>
                               <p:par>
-                                <p:cTn id="22" presetID="10" presetClass="entr" presetSubtype="0" fill="hold" nodeType="clickEffect">
+                                <p:cTn id="33" presetID="10" presetClass="entr" presetSubtype="0" fill="hold" grpId="0" nodeType="clickEffect">
                                   <p:stCondLst>
                                     <p:cond delay="0"/>
                                   </p:stCondLst>
                                   <p:childTnLst>
                                     <p:set>
                                       <p:cBhvr>
-                                        <p:cTn id="23" dur="1" fill="hold">
+                                        <p:cTn id="34" dur="1" fill="hold">
                                           <p:stCondLst>
                                             <p:cond delay="0"/>
                                           </p:stCondLst>
                                         </p:cTn>
                                         <p:tgtEl>
-                                          <p:spTgt spid="50"/>
+                                          <p:spTgt spid="47"/>
                                         </p:tgtEl>
                                         <p:attrNameLst>
                                           <p:attrName>style.visibility</p:attrName>
@@ -32592,9 +32503,9 @@
                                     </p:set>
                                     <p:animEffect transition="in" filter="fade">
                                       <p:cBhvr>
-                                        <p:cTn id="24" dur="500"/>
-                                        <p:tgtEl>
-                                          <p:spTgt spid="50"/>
+                                        <p:cTn id="35" dur="500"/>
+                                        <p:tgtEl>
+                                          <p:spTgt spid="47"/>
                                         </p:tgtEl>
                                       </p:cBhvr>
                                     </p:animEffect>
@@ -32602,20 +32513,20 @@
                                 </p:cTn>
                               </p:par>
                               <p:par>
-                                <p:cTn id="25" presetID="10" presetClass="entr" presetSubtype="0" fill="hold" grpId="0" nodeType="withEffect">
+                                <p:cTn id="36" presetID="10" presetClass="entr" presetSubtype="0" fill="hold" nodeType="withEffect">
                                   <p:stCondLst>
                                     <p:cond delay="0"/>
                                   </p:stCondLst>
                                   <p:childTnLst>
                                     <p:set>
                                       <p:cBhvr>
-                                        <p:cTn id="26" dur="1" fill="hold">
+                                        <p:cTn id="37" dur="1" fill="hold">
                                           <p:stCondLst>
                                             <p:cond delay="0"/>
                                           </p:stCondLst>
                                         </p:cTn>
                                         <p:tgtEl>
-                                          <p:spTgt spid="9"/>
+                                          <p:spTgt spid="33"/>
                                         </p:tgtEl>
                                         <p:attrNameLst>
                                           <p:attrName>style.visibility</p:attrName>
@@ -32627,9 +32538,9 @@
                                     </p:set>
                                     <p:animEffect transition="in" filter="fade">
                                       <p:cBhvr>
-                                        <p:cTn id="27" dur="500"/>
-                                        <p:tgtEl>
-                                          <p:spTgt spid="9"/>
+                                        <p:cTn id="38" dur="500"/>
+                                        <p:tgtEl>
+                                          <p:spTgt spid="33"/>
                                         </p:tgtEl>
                                       </p:cBhvr>
                                     </p:animEffect>
@@ -32637,20 +32548,20 @@
                                 </p:cTn>
                               </p:par>
                               <p:par>
-                                <p:cTn id="28" presetID="10" presetClass="entr" presetSubtype="0" fill="hold" nodeType="withEffect">
+                                <p:cTn id="39" presetID="10" presetClass="entr" presetSubtype="0" fill="hold" nodeType="withEffect">
                                   <p:stCondLst>
                                     <p:cond delay="0"/>
                                   </p:stCondLst>
                                   <p:childTnLst>
                                     <p:set>
                                       <p:cBhvr>
-                                        <p:cTn id="29" dur="1" fill="hold">
+                                        <p:cTn id="40" dur="1" fill="hold">
                                           <p:stCondLst>
                                             <p:cond delay="0"/>
                                           </p:stCondLst>
                                         </p:cTn>
                                         <p:tgtEl>
-                                          <p:spTgt spid="5"/>
+                                          <p:spTgt spid="27"/>
                                         </p:tgtEl>
                                         <p:attrNameLst>
                                           <p:attrName>style.visibility</p:attrName>
@@ -32662,9 +32573,9 @@
                                     </p:set>
                                     <p:animEffect transition="in" filter="fade">
                                       <p:cBhvr>
-                                        <p:cTn id="30" dur="500"/>
-                                        <p:tgtEl>
-                                          <p:spTgt spid="5"/>
+                                        <p:cTn id="41" dur="500"/>
+                                        <p:tgtEl>
+                                          <p:spTgt spid="27"/>
                                         </p:tgtEl>
                                       </p:cBhvr>
                                     </p:animEffect>
@@ -32672,20 +32583,20 @@
                                 </p:cTn>
                               </p:par>
                               <p:par>
-                                <p:cTn id="31" presetID="10" presetClass="entr" presetSubtype="0" fill="hold" nodeType="withEffect">
+                                <p:cTn id="42" presetID="10" presetClass="entr" presetSubtype="0" fill="hold" nodeType="withEffect">
                                   <p:stCondLst>
                                     <p:cond delay="0"/>
                                   </p:stCondLst>
                                   <p:childTnLst>
                                     <p:set>
                                       <p:cBhvr>
-                                        <p:cTn id="32" dur="1" fill="hold">
+                                        <p:cTn id="43" dur="1" fill="hold">
                                           <p:stCondLst>
                                             <p:cond delay="0"/>
                                           </p:stCondLst>
                                         </p:cTn>
                                         <p:tgtEl>
-                                          <p:spTgt spid="43"/>
+                                          <p:spTgt spid="30"/>
                                         </p:tgtEl>
                                         <p:attrNameLst>
                                           <p:attrName>style.visibility</p:attrName>
@@ -32697,9 +32608,44 @@
                                     </p:set>
                                     <p:animEffect transition="in" filter="fade">
                                       <p:cBhvr>
-                                        <p:cTn id="33" dur="500"/>
-                                        <p:tgtEl>
-                                          <p:spTgt spid="43"/>
+                                        <p:cTn id="44" dur="500"/>
+                                        <p:tgtEl>
+                                          <p:spTgt spid="30"/>
+                                        </p:tgtEl>
+                                      </p:cBhvr>
+                                    </p:animEffect>
+                                  </p:childTnLst>
+                                </p:cTn>
+                              </p:par>
+                              <p:par>
+                                <p:cTn id="45" presetID="10" presetClass="entr" presetSubtype="0" fill="hold" grpId="0" nodeType="withEffect">
+                                  <p:stCondLst>
+                                    <p:cond delay="0"/>
+                                  </p:stCondLst>
+                                  <p:childTnLst>
+                                    <p:set>
+                                      <p:cBhvr>
+                                        <p:cTn id="46" dur="1" fill="hold">
+                                          <p:stCondLst>
+                                            <p:cond delay="0"/>
+                                          </p:stCondLst>
+                                        </p:cTn>
+                                        <p:tgtEl>
+                                          <p:spTgt spid="73"/>
+                                        </p:tgtEl>
+                                        <p:attrNameLst>
+                                          <p:attrName>style.visibility</p:attrName>
+                                        </p:attrNameLst>
+                                      </p:cBhvr>
+                                      <p:to>
+                                        <p:strVal val="visible"/>
+                                      </p:to>
+                                    </p:set>
+                                    <p:animEffect transition="in" filter="fade">
+                                      <p:cBhvr>
+                                        <p:cTn id="47" dur="500"/>
+                                        <p:tgtEl>
+                                          <p:spTgt spid="73"/>
                                         </p:tgtEl>
                                       </p:cBhvr>
                                     </p:animEffect>
@@ -32713,32 +32659,32 @@
                     </p:cTn>
                   </p:par>
                   <p:par>
-                    <p:cTn id="34" fill="hold">
+                    <p:cTn id="48" fill="hold">
                       <p:stCondLst>
                         <p:cond delay="indefinite"/>
                       </p:stCondLst>
                       <p:childTnLst>
                         <p:par>
-                          <p:cTn id="35" fill="hold">
+                          <p:cTn id="49" fill="hold">
                             <p:stCondLst>
                               <p:cond delay="0"/>
                             </p:stCondLst>
                             <p:childTnLst>
                               <p:par>
-                                <p:cTn id="36" presetID="10" presetClass="entr" presetSubtype="0" fill="hold" grpId="0" nodeType="clickEffect">
+                                <p:cTn id="50" presetID="10" presetClass="entr" presetSubtype="0" fill="hold" grpId="0" nodeType="clickEffect">
                                   <p:stCondLst>
                                     <p:cond delay="0"/>
                                   </p:stCondLst>
                                   <p:childTnLst>
                                     <p:set>
                                       <p:cBhvr>
-                                        <p:cTn id="37" dur="1" fill="hold">
+                                        <p:cTn id="51" dur="1" fill="hold">
                                           <p:stCondLst>
                                             <p:cond delay="0"/>
                                           </p:stCondLst>
                                         </p:cTn>
                                         <p:tgtEl>
-                                          <p:spTgt spid="47"/>
+                                          <p:spTgt spid="10"/>
                                         </p:tgtEl>
                                         <p:attrNameLst>
                                           <p:attrName>style.visibility</p:attrName>
@@ -32750,9 +32696,9 @@
                                     </p:set>
                                     <p:animEffect transition="in" filter="fade">
                                       <p:cBhvr>
-                                        <p:cTn id="38" dur="500"/>
-                                        <p:tgtEl>
-                                          <p:spTgt spid="47"/>
+                                        <p:cTn id="52" dur="500"/>
+                                        <p:tgtEl>
+                                          <p:spTgt spid="10"/>
                                         </p:tgtEl>
                                       </p:cBhvr>
                                     </p:animEffect>
@@ -32760,20 +32706,20 @@
                                 </p:cTn>
                               </p:par>
                               <p:par>
-                                <p:cTn id="39" presetID="10" presetClass="entr" presetSubtype="0" fill="hold" nodeType="withEffect">
+                                <p:cTn id="53" presetID="10" presetClass="entr" presetSubtype="0" fill="hold" nodeType="withEffect">
                                   <p:stCondLst>
                                     <p:cond delay="0"/>
                                   </p:stCondLst>
                                   <p:childTnLst>
                                     <p:set>
                                       <p:cBhvr>
-                                        <p:cTn id="40" dur="1" fill="hold">
+                                        <p:cTn id="54" dur="1" fill="hold">
                                           <p:stCondLst>
                                             <p:cond delay="0"/>
                                           </p:stCondLst>
                                         </p:cTn>
                                         <p:tgtEl>
-                                          <p:spTgt spid="33"/>
+                                          <p:spTgt spid="51"/>
                                         </p:tgtEl>
                                         <p:attrNameLst>
                                           <p:attrName>style.visibility</p:attrName>
@@ -32785,9 +32731,9 @@
                                     </p:set>
                                     <p:animEffect transition="in" filter="fade">
                                       <p:cBhvr>
-                                        <p:cTn id="41" dur="500"/>
-                                        <p:tgtEl>
-                                          <p:spTgt spid="33"/>
+                                        <p:cTn id="55" dur="500"/>
+                                        <p:tgtEl>
+                                          <p:spTgt spid="51"/>
                                         </p:tgtEl>
                                       </p:cBhvr>
                                     </p:animEffect>
@@ -32795,20 +32741,20 @@
                                 </p:cTn>
                               </p:par>
                               <p:par>
-                                <p:cTn id="42" presetID="10" presetClass="entr" presetSubtype="0" fill="hold" nodeType="withEffect">
+                                <p:cTn id="56" presetID="10" presetClass="entr" presetSubtype="0" fill="hold" nodeType="withEffect">
                                   <p:stCondLst>
                                     <p:cond delay="0"/>
                                   </p:stCondLst>
                                   <p:childTnLst>
                                     <p:set>
                                       <p:cBhvr>
-                                        <p:cTn id="43" dur="1" fill="hold">
+                                        <p:cTn id="57" dur="1" fill="hold">
                                           <p:stCondLst>
                                             <p:cond delay="0"/>
                                           </p:stCondLst>
                                         </p:cTn>
                                         <p:tgtEl>
-                                          <p:spTgt spid="27"/>
+                                          <p:spTgt spid="6"/>
                                         </p:tgtEl>
                                         <p:attrNameLst>
                                           <p:attrName>style.visibility</p:attrName>
@@ -32820,9 +32766,9 @@
                                     </p:set>
                                     <p:animEffect transition="in" filter="fade">
                                       <p:cBhvr>
-                                        <p:cTn id="44" dur="500"/>
-                                        <p:tgtEl>
-                                          <p:spTgt spid="27"/>
+                                        <p:cTn id="58" dur="500"/>
+                                        <p:tgtEl>
+                                          <p:spTgt spid="6"/>
                                         </p:tgtEl>
                                       </p:cBhvr>
                                     </p:animEffect>
@@ -32830,20 +32776,20 @@
                                 </p:cTn>
                               </p:par>
                               <p:par>
-                                <p:cTn id="45" presetID="10" presetClass="entr" presetSubtype="0" fill="hold" nodeType="withEffect">
+                                <p:cTn id="59" presetID="10" presetClass="entr" presetSubtype="0" fill="hold" grpId="0" nodeType="withEffect">
                                   <p:stCondLst>
                                     <p:cond delay="0"/>
                                   </p:stCondLst>
                                   <p:childTnLst>
                                     <p:set>
                                       <p:cBhvr>
-                                        <p:cTn id="46" dur="1" fill="hold">
+                                        <p:cTn id="60" dur="1" fill="hold">
                                           <p:stCondLst>
                                             <p:cond delay="0"/>
                                           </p:stCondLst>
                                         </p:cTn>
                                         <p:tgtEl>
-                                          <p:spTgt spid="30"/>
+                                          <p:spTgt spid="24"/>
                                         </p:tgtEl>
                                         <p:attrNameLst>
                                           <p:attrName>style.visibility</p:attrName>
@@ -32855,9 +32801,9 @@
                                     </p:set>
                                     <p:animEffect transition="in" filter="fade">
                                       <p:cBhvr>
-                                        <p:cTn id="47" dur="500"/>
-                                        <p:tgtEl>
-                                          <p:spTgt spid="30"/>
+                                        <p:cTn id="61" dur="500"/>
+                                        <p:tgtEl>
+                                          <p:spTgt spid="24"/>
                                         </p:tgtEl>
                                       </p:cBhvr>
                                     </p:animEffect>
@@ -32865,20 +32811,20 @@
                                 </p:cTn>
                               </p:par>
                               <p:par>
-                                <p:cTn id="48" presetID="10" presetClass="entr" presetSubtype="0" fill="hold" grpId="0" nodeType="withEffect">
+                                <p:cTn id="62" presetID="10" presetClass="entr" presetSubtype="0" fill="hold" grpId="0" nodeType="withEffect">
                                   <p:stCondLst>
                                     <p:cond delay="0"/>
                                   </p:stCondLst>
                                   <p:childTnLst>
                                     <p:set>
                                       <p:cBhvr>
-                                        <p:cTn id="49" dur="1" fill="hold">
+                                        <p:cTn id="63" dur="1" fill="hold">
                                           <p:stCondLst>
                                             <p:cond delay="0"/>
                                           </p:stCondLst>
                                         </p:cTn>
                                         <p:tgtEl>
-                                          <p:spTgt spid="73"/>
+                                          <p:spTgt spid="25"/>
                                         </p:tgtEl>
                                         <p:attrNameLst>
                                           <p:attrName>style.visibility</p:attrName>
@@ -32890,9 +32836,44 @@
                                     </p:set>
                                     <p:animEffect transition="in" filter="fade">
                                       <p:cBhvr>
-                                        <p:cTn id="50" dur="500"/>
-                                        <p:tgtEl>
-                                          <p:spTgt spid="73"/>
+                                        <p:cTn id="64" dur="500"/>
+                                        <p:tgtEl>
+                                          <p:spTgt spid="25"/>
+                                        </p:tgtEl>
+                                      </p:cBhvr>
+                                    </p:animEffect>
+                                  </p:childTnLst>
+                                </p:cTn>
+                              </p:par>
+                              <p:par>
+                                <p:cTn id="65" presetID="10" presetClass="entr" presetSubtype="0" fill="hold" grpId="0" nodeType="withEffect">
+                                  <p:stCondLst>
+                                    <p:cond delay="0"/>
+                                  </p:stCondLst>
+                                  <p:childTnLst>
+                                    <p:set>
+                                      <p:cBhvr>
+                                        <p:cTn id="66" dur="1" fill="hold">
+                                          <p:stCondLst>
+                                            <p:cond delay="0"/>
+                                          </p:stCondLst>
+                                        </p:cTn>
+                                        <p:tgtEl>
+                                          <p:spTgt spid="26"/>
+                                        </p:tgtEl>
+                                        <p:attrNameLst>
+                                          <p:attrName>style.visibility</p:attrName>
+                                        </p:attrNameLst>
+                                      </p:cBhvr>
+                                      <p:to>
+                                        <p:strVal val="visible"/>
+                                      </p:to>
+                                    </p:set>
+                                    <p:animEffect transition="in" filter="fade">
+                                      <p:cBhvr>
+                                        <p:cTn id="67" dur="500"/>
+                                        <p:tgtEl>
+                                          <p:spTgt spid="26"/>
                                         </p:tgtEl>
                                       </p:cBhvr>
                                     </p:animEffect>
@@ -32906,32 +32887,32 @@
                     </p:cTn>
                   </p:par>
                   <p:par>
-                    <p:cTn id="51" fill="hold">
+                    <p:cTn id="68" fill="hold">
                       <p:stCondLst>
                         <p:cond delay="indefinite"/>
                       </p:stCondLst>
                       <p:childTnLst>
                         <p:par>
-                          <p:cTn id="52" fill="hold">
+                          <p:cTn id="69" fill="hold">
                             <p:stCondLst>
                               <p:cond delay="0"/>
                             </p:stCondLst>
                             <p:childTnLst>
                               <p:par>
-                                <p:cTn id="53" presetID="10" presetClass="entr" presetSubtype="0" fill="hold" grpId="0" nodeType="clickEffect">
+                                <p:cTn id="70" presetID="10" presetClass="entr" presetSubtype="0" fill="hold" grpId="0" nodeType="clickEffect">
                                   <p:stCondLst>
                                     <p:cond delay="0"/>
                                   </p:stCondLst>
                                   <p:childTnLst>
                                     <p:set>
                                       <p:cBhvr>
-                                        <p:cTn id="54" dur="1" fill="hold">
+                                        <p:cTn id="71" dur="1" fill="hold">
                                           <p:stCondLst>
                                             <p:cond delay="0"/>
                                           </p:stCondLst>
                                         </p:cTn>
                                         <p:tgtEl>
-                                          <p:spTgt spid="10"/>
+                                          <p:spTgt spid="11"/>
                                         </p:tgtEl>
                                         <p:attrNameLst>
                                           <p:attrName>style.visibility</p:attrName>
@@ -32943,9 +32924,9 @@
                                     </p:set>
                                     <p:animEffect transition="in" filter="fade">
                                       <p:cBhvr>
-                                        <p:cTn id="55" dur="500"/>
-                                        <p:tgtEl>
-                                          <p:spTgt spid="10"/>
+                                        <p:cTn id="72" dur="500"/>
+                                        <p:tgtEl>
+                                          <p:spTgt spid="11"/>
                                         </p:tgtEl>
                                       </p:cBhvr>
                                     </p:animEffect>
@@ -32953,20 +32934,20 @@
                                 </p:cTn>
                               </p:par>
                               <p:par>
-                                <p:cTn id="56" presetID="10" presetClass="entr" presetSubtype="0" fill="hold" nodeType="withEffect">
+                                <p:cTn id="73" presetID="10" presetClass="entr" presetSubtype="0" fill="hold" nodeType="withEffect">
                                   <p:stCondLst>
                                     <p:cond delay="0"/>
                                   </p:stCondLst>
                                   <p:childTnLst>
                                     <p:set>
                                       <p:cBhvr>
-                                        <p:cTn id="57" dur="1" fill="hold">
+                                        <p:cTn id="74" dur="1" fill="hold">
                                           <p:stCondLst>
                                             <p:cond delay="0"/>
                                           </p:stCondLst>
                                         </p:cTn>
                                         <p:tgtEl>
-                                          <p:spTgt spid="51"/>
+                                          <p:spTgt spid="7"/>
                                         </p:tgtEl>
                                         <p:attrNameLst>
                                           <p:attrName>style.visibility</p:attrName>
@@ -32978,9 +32959,9 @@
                                     </p:set>
                                     <p:animEffect transition="in" filter="fade">
                                       <p:cBhvr>
-                                        <p:cTn id="58" dur="500"/>
-                                        <p:tgtEl>
-                                          <p:spTgt spid="51"/>
+                                        <p:cTn id="75" dur="500"/>
+                                        <p:tgtEl>
+                                          <p:spTgt spid="7"/>
                                         </p:tgtEl>
                                       </p:cBhvr>
                                     </p:animEffect>
@@ -32988,20 +32969,20 @@
                                 </p:cTn>
                               </p:par>
                               <p:par>
-                                <p:cTn id="59" presetID="10" presetClass="entr" presetSubtype="0" fill="hold" nodeType="withEffect">
+                                <p:cTn id="76" presetID="10" presetClass="entr" presetSubtype="0" fill="hold" nodeType="withEffect">
                                   <p:stCondLst>
                                     <p:cond delay="0"/>
                                   </p:stCondLst>
                                   <p:childTnLst>
                                     <p:set>
                                       <p:cBhvr>
-                                        <p:cTn id="60" dur="1" fill="hold">
+                                        <p:cTn id="77" dur="1" fill="hold">
                                           <p:stCondLst>
                                             <p:cond delay="0"/>
                                           </p:stCondLst>
                                         </p:cTn>
                                         <p:tgtEl>
-                                          <p:spTgt spid="6"/>
+                                          <p:spTgt spid="52"/>
                                         </p:tgtEl>
                                         <p:attrNameLst>
                                           <p:attrName>style.visibility</p:attrName>
@@ -33013,149 +32994,9 @@
                                     </p:set>
                                     <p:animEffect transition="in" filter="fade">
                                       <p:cBhvr>
-                                        <p:cTn id="61" dur="500"/>
-                                        <p:tgtEl>
-                                          <p:spTgt spid="6"/>
-                                        </p:tgtEl>
-                                      </p:cBhvr>
-                                    </p:animEffect>
-                                  </p:childTnLst>
-                                </p:cTn>
-                              </p:par>
-                              <p:par>
-                                <p:cTn id="62" presetID="10" presetClass="entr" presetSubtype="0" fill="hold" grpId="0" nodeType="withEffect">
-                                  <p:stCondLst>
-                                    <p:cond delay="0"/>
-                                  </p:stCondLst>
-                                  <p:childTnLst>
-                                    <p:set>
-                                      <p:cBhvr>
-                                        <p:cTn id="63" dur="1" fill="hold">
-                                          <p:stCondLst>
-                                            <p:cond delay="0"/>
-                                          </p:stCondLst>
-                                        </p:cTn>
-                                        <p:tgtEl>
-                                          <p:spTgt spid="24"/>
-                                        </p:tgtEl>
-                                        <p:attrNameLst>
-                                          <p:attrName>style.visibility</p:attrName>
-                                        </p:attrNameLst>
-                                      </p:cBhvr>
-                                      <p:to>
-                                        <p:strVal val="visible"/>
-                                      </p:to>
-                                    </p:set>
-                                    <p:animEffect transition="in" filter="fade">
-                                      <p:cBhvr>
-                                        <p:cTn id="64" dur="500"/>
-                                        <p:tgtEl>
-                                          <p:spTgt spid="24"/>
-                                        </p:tgtEl>
-                                      </p:cBhvr>
-                                    </p:animEffect>
-                                  </p:childTnLst>
-                                </p:cTn>
-                              </p:par>
-                              <p:par>
-                                <p:cTn id="65" presetID="10" presetClass="entr" presetSubtype="0" fill="hold" grpId="0" nodeType="withEffect">
-                                  <p:stCondLst>
-                                    <p:cond delay="0"/>
-                                  </p:stCondLst>
-                                  <p:childTnLst>
-                                    <p:set>
-                                      <p:cBhvr>
-                                        <p:cTn id="66" dur="1" fill="hold">
-                                          <p:stCondLst>
-                                            <p:cond delay="0"/>
-                                          </p:stCondLst>
-                                        </p:cTn>
-                                        <p:tgtEl>
-                                          <p:spTgt spid="25"/>
-                                        </p:tgtEl>
-                                        <p:attrNameLst>
-                                          <p:attrName>style.visibility</p:attrName>
-                                        </p:attrNameLst>
-                                      </p:cBhvr>
-                                      <p:to>
-                                        <p:strVal val="visible"/>
-                                      </p:to>
-                                    </p:set>
-                                    <p:animEffect transition="in" filter="fade">
-                                      <p:cBhvr>
-                                        <p:cTn id="67" dur="500"/>
-                                        <p:tgtEl>
-                                          <p:spTgt spid="25"/>
-                                        </p:tgtEl>
-                                      </p:cBhvr>
-                                    </p:animEffect>
-                                  </p:childTnLst>
-                                </p:cTn>
-                              </p:par>
-                              <p:par>
-                                <p:cTn id="68" presetID="10" presetClass="entr" presetSubtype="0" fill="hold" grpId="0" nodeType="withEffect">
-                                  <p:stCondLst>
-                                    <p:cond delay="0"/>
-                                  </p:stCondLst>
-                                  <p:childTnLst>
-                                    <p:set>
-                                      <p:cBhvr>
-                                        <p:cTn id="69" dur="1" fill="hold">
-                                          <p:stCondLst>
-                                            <p:cond delay="0"/>
-                                          </p:stCondLst>
-                                        </p:cTn>
-                                        <p:tgtEl>
-                                          <p:spTgt spid="26"/>
-                                        </p:tgtEl>
-                                        <p:attrNameLst>
-                                          <p:attrName>style.visibility</p:attrName>
-                                        </p:attrNameLst>
-                                      </p:cBhvr>
-                                      <p:to>
-                                        <p:strVal val="visible"/>
-                                      </p:to>
-                                    </p:set>
-                                    <p:animEffect transition="in" filter="fade">
-                                      <p:cBhvr>
-                                        <p:cTn id="70" dur="500"/>
-                                        <p:tgtEl>
-                                          <p:spTgt spid="26"/>
-                                        </p:tgtEl>
-                                      </p:cBhvr>
-                                    </p:animEffect>
-                                  </p:childTnLst>
-                                </p:cTn>
-                              </p:par>
-                              <p:par>
-                                <p:cTn id="71" presetID="10" presetClass="entr" presetSubtype="0" fill="hold" grpId="0" nodeType="withEffect">
-                                  <p:stCondLst>
-                                    <p:cond delay="0"/>
-                                  </p:stCondLst>
-                                  <p:childTnLst>
-                                    <p:set>
-                                      <p:cBhvr>
-                                        <p:cTn id="72" dur="1" fill="hold">
-                                          <p:stCondLst>
-                                            <p:cond delay="0"/>
-                                          </p:stCondLst>
-                                        </p:cTn>
-                                        <p:tgtEl>
-                                          <p:spTgt spid="65"/>
-                                        </p:tgtEl>
-                                        <p:attrNameLst>
-                                          <p:attrName>style.visibility</p:attrName>
-                                        </p:attrNameLst>
-                                      </p:cBhvr>
-                                      <p:to>
-                                        <p:strVal val="visible"/>
-                                      </p:to>
-                                    </p:set>
-                                    <p:animEffect transition="in" filter="fade">
-                                      <p:cBhvr>
-                                        <p:cTn id="73" dur="500"/>
-                                        <p:tgtEl>
-                                          <p:spTgt spid="65"/>
+                                        <p:cTn id="78" dur="500"/>
+                                        <p:tgtEl>
+                                          <p:spTgt spid="52"/>
                                         </p:tgtEl>
                                       </p:cBhvr>
                                     </p:animEffect>
@@ -33169,32 +33010,32 @@
                     </p:cTn>
                   </p:par>
                   <p:par>
-                    <p:cTn id="74" fill="hold">
+                    <p:cTn id="79" fill="hold">
                       <p:stCondLst>
                         <p:cond delay="indefinite"/>
                       </p:stCondLst>
                       <p:childTnLst>
                         <p:par>
-                          <p:cTn id="75" fill="hold">
+                          <p:cTn id="80" fill="hold">
                             <p:stCondLst>
                               <p:cond delay="0"/>
                             </p:stCondLst>
                             <p:childTnLst>
                               <p:par>
-                                <p:cTn id="76" presetID="10" presetClass="entr" presetSubtype="0" fill="hold" grpId="0" nodeType="clickEffect">
+                                <p:cTn id="81" presetID="10" presetClass="entr" presetSubtype="0" fill="hold" nodeType="clickEffect">
                                   <p:stCondLst>
                                     <p:cond delay="0"/>
                                   </p:stCondLst>
                                   <p:childTnLst>
                                     <p:set>
                                       <p:cBhvr>
-                                        <p:cTn id="77" dur="1" fill="hold">
+                                        <p:cTn id="82" dur="1" fill="hold">
                                           <p:stCondLst>
                                             <p:cond delay="0"/>
                                           </p:stCondLst>
                                         </p:cTn>
                                         <p:tgtEl>
-                                          <p:spTgt spid="11"/>
+                                          <p:spTgt spid="46"/>
                                         </p:tgtEl>
                                         <p:attrNameLst>
                                           <p:attrName>style.visibility</p:attrName>
@@ -33206,9 +33047,9 @@
                                     </p:set>
                                     <p:animEffect transition="in" filter="fade">
                                       <p:cBhvr>
-                                        <p:cTn id="78" dur="500"/>
-                                        <p:tgtEl>
-                                          <p:spTgt spid="11"/>
+                                        <p:cTn id="83" dur="500"/>
+                                        <p:tgtEl>
+                                          <p:spTgt spid="46"/>
                                         </p:tgtEl>
                                       </p:cBhvr>
                                     </p:animEffect>
@@ -33216,20 +33057,20 @@
                                 </p:cTn>
                               </p:par>
                               <p:par>
-                                <p:cTn id="79" presetID="10" presetClass="entr" presetSubtype="0" fill="hold" nodeType="withEffect">
+                                <p:cTn id="84" presetID="10" presetClass="entr" presetSubtype="0" fill="hold" nodeType="withEffect">
                                   <p:stCondLst>
                                     <p:cond delay="0"/>
                                   </p:stCondLst>
                                   <p:childTnLst>
                                     <p:set>
                                       <p:cBhvr>
-                                        <p:cTn id="80" dur="1" fill="hold">
+                                        <p:cTn id="85" dur="1" fill="hold">
                                           <p:stCondLst>
                                             <p:cond delay="0"/>
                                           </p:stCondLst>
                                         </p:cTn>
                                         <p:tgtEl>
-                                          <p:spTgt spid="7"/>
+                                          <p:spTgt spid="75"/>
                                         </p:tgtEl>
                                         <p:attrNameLst>
                                           <p:attrName>style.visibility</p:attrName>
@@ -33241,44 +33082,9 @@
                                     </p:set>
                                     <p:animEffect transition="in" filter="fade">
                                       <p:cBhvr>
-                                        <p:cTn id="81" dur="500"/>
-                                        <p:tgtEl>
-                                          <p:spTgt spid="7"/>
-                                        </p:tgtEl>
-                                      </p:cBhvr>
-                                    </p:animEffect>
-                                  </p:childTnLst>
-                                </p:cTn>
-                              </p:par>
-                              <p:par>
-                                <p:cTn id="82" presetID="10" presetClass="entr" presetSubtype="0" fill="hold" nodeType="withEffect">
-                                  <p:stCondLst>
-                                    <p:cond delay="0"/>
-                                  </p:stCondLst>
-                                  <p:childTnLst>
-                                    <p:set>
-                                      <p:cBhvr>
-                                        <p:cTn id="83" dur="1" fill="hold">
-                                          <p:stCondLst>
-                                            <p:cond delay="0"/>
-                                          </p:stCondLst>
-                                        </p:cTn>
-                                        <p:tgtEl>
-                                          <p:spTgt spid="52"/>
-                                        </p:tgtEl>
-                                        <p:attrNameLst>
-                                          <p:attrName>style.visibility</p:attrName>
-                                        </p:attrNameLst>
-                                      </p:cBhvr>
-                                      <p:to>
-                                        <p:strVal val="visible"/>
-                                      </p:to>
-                                    </p:set>
-                                    <p:animEffect transition="in" filter="fade">
-                                      <p:cBhvr>
-                                        <p:cTn id="84" dur="500"/>
-                                        <p:tgtEl>
-                                          <p:spTgt spid="52"/>
+                                        <p:cTn id="86" dur="500"/>
+                                        <p:tgtEl>
+                                          <p:spTgt spid="75"/>
                                         </p:tgtEl>
                                       </p:cBhvr>
                                     </p:animEffect>
@@ -33292,32 +33098,32 @@
                     </p:cTn>
                   </p:par>
                   <p:par>
-                    <p:cTn id="85" fill="hold">
+                    <p:cTn id="87" fill="hold">
                       <p:stCondLst>
                         <p:cond delay="indefinite"/>
                       </p:stCondLst>
                       <p:childTnLst>
                         <p:par>
-                          <p:cTn id="86" fill="hold">
+                          <p:cTn id="88" fill="hold">
                             <p:stCondLst>
                               <p:cond delay="0"/>
                             </p:stCondLst>
                             <p:childTnLst>
                               <p:par>
-                                <p:cTn id="87" presetID="10" presetClass="entr" presetSubtype="0" fill="hold" nodeType="clickEffect">
+                                <p:cTn id="89" presetID="10" presetClass="entr" presetSubtype="0" fill="hold" grpId="0" nodeType="clickEffect">
                                   <p:stCondLst>
                                     <p:cond delay="0"/>
                                   </p:stCondLst>
                                   <p:childTnLst>
                                     <p:set>
                                       <p:cBhvr>
-                                        <p:cTn id="88" dur="1" fill="hold">
+                                        <p:cTn id="90" dur="1" fill="hold">
                                           <p:stCondLst>
                                             <p:cond delay="0"/>
                                           </p:stCondLst>
                                         </p:cTn>
                                         <p:tgtEl>
-                                          <p:spTgt spid="46"/>
+                                          <p:spTgt spid="48"/>
                                         </p:tgtEl>
                                         <p:attrNameLst>
                                           <p:attrName>style.visibility</p:attrName>
@@ -33329,9 +33135,9 @@
                                     </p:set>
                                     <p:animEffect transition="in" filter="fade">
                                       <p:cBhvr>
-                                        <p:cTn id="89" dur="500"/>
-                                        <p:tgtEl>
-                                          <p:spTgt spid="46"/>
+                                        <p:cTn id="91" dur="500"/>
+                                        <p:tgtEl>
+                                          <p:spTgt spid="48"/>
                                         </p:tgtEl>
                                       </p:cBhvr>
                                     </p:animEffect>
@@ -33339,20 +33145,20 @@
                                 </p:cTn>
                               </p:par>
                               <p:par>
-                                <p:cTn id="90" presetID="10" presetClass="entr" presetSubtype="0" fill="hold" nodeType="withEffect">
+                                <p:cTn id="92" presetID="10" presetClass="entr" presetSubtype="0" fill="hold" nodeType="withEffect">
                                   <p:stCondLst>
                                     <p:cond delay="0"/>
                                   </p:stCondLst>
                                   <p:childTnLst>
                                     <p:set>
                                       <p:cBhvr>
-                                        <p:cTn id="91" dur="1" fill="hold">
+                                        <p:cTn id="93" dur="1" fill="hold">
                                           <p:stCondLst>
                                             <p:cond delay="0"/>
                                           </p:stCondLst>
                                         </p:cTn>
                                         <p:tgtEl>
-                                          <p:spTgt spid="75"/>
+                                          <p:spTgt spid="70"/>
                                         </p:tgtEl>
                                         <p:attrNameLst>
                                           <p:attrName>style.visibility</p:attrName>
@@ -33364,9 +33170,114 @@
                                     </p:set>
                                     <p:animEffect transition="in" filter="fade">
                                       <p:cBhvr>
-                                        <p:cTn id="92" dur="500"/>
-                                        <p:tgtEl>
-                                          <p:spTgt spid="75"/>
+                                        <p:cTn id="94" dur="500"/>
+                                        <p:tgtEl>
+                                          <p:spTgt spid="70"/>
+                                        </p:tgtEl>
+                                      </p:cBhvr>
+                                    </p:animEffect>
+                                  </p:childTnLst>
+                                </p:cTn>
+                              </p:par>
+                              <p:par>
+                                <p:cTn id="95" presetID="10" presetClass="entr" presetSubtype="0" fill="hold" nodeType="withEffect">
+                                  <p:stCondLst>
+                                    <p:cond delay="0"/>
+                                  </p:stCondLst>
+                                  <p:childTnLst>
+                                    <p:set>
+                                      <p:cBhvr>
+                                        <p:cTn id="96" dur="1" fill="hold">
+                                          <p:stCondLst>
+                                            <p:cond delay="0"/>
+                                          </p:stCondLst>
+                                        </p:cTn>
+                                        <p:tgtEl>
+                                          <p:spTgt spid="34"/>
+                                        </p:tgtEl>
+                                        <p:attrNameLst>
+                                          <p:attrName>style.visibility</p:attrName>
+                                        </p:attrNameLst>
+                                      </p:cBhvr>
+                                      <p:to>
+                                        <p:strVal val="visible"/>
+                                      </p:to>
+                                    </p:set>
+                                    <p:animEffect transition="in" filter="fade">
+                                      <p:cBhvr>
+                                        <p:cTn id="97" dur="500"/>
+                                        <p:tgtEl>
+                                          <p:spTgt spid="34"/>
+                                        </p:tgtEl>
+                                      </p:cBhvr>
+                                    </p:animEffect>
+                                  </p:childTnLst>
+                                </p:cTn>
+                              </p:par>
+                              <p:par>
+                                <p:cTn id="98" presetID="10" presetClass="entr" presetSubtype="0" fill="hold" nodeType="withEffect">
+                                  <p:stCondLst>
+                                    <p:cond delay="0"/>
+                                  </p:stCondLst>
+                                  <p:childTnLst>
+                                    <p:set>
+                                      <p:cBhvr>
+                                        <p:cTn id="99" dur="1" fill="hold">
+                                          <p:stCondLst>
+                                            <p:cond delay="0"/>
+                                          </p:stCondLst>
+                                        </p:cTn>
+                                        <p:tgtEl>
+                                          <p:spTgt spid="37"/>
+                                        </p:tgtEl>
+                                        <p:attrNameLst>
+                                          <p:attrName>style.visibility</p:attrName>
+                                        </p:attrNameLst>
+                                      </p:cBhvr>
+                                      <p:to>
+                                        <p:strVal val="visible"/>
+                                      </p:to>
+                                    </p:set>
+                                    <p:animEffect transition="in" filter="fade">
+                                      <p:cBhvr>
+                                        <p:cTn id="100" dur="500"/>
+                                        <p:tgtEl>
+                                          <p:spTgt spid="37"/>
+                                        </p:tgtEl>
+                                      </p:cBhvr>
+                                    </p:animEffect>
+                                  </p:childTnLst>
+                                </p:cTn>
+                              </p:par>
+                              <p:par>
+                                <p:cTn id="101" presetID="10" presetClass="entr" presetSubtype="0" fill="hold" grpId="0" nodeType="withEffect">
+                                  <p:stCondLst>
+                                    <p:cond delay="0"/>
+                                  </p:stCondLst>
+                                  <p:childTnLst>
+                                    <p:set>
+                                      <p:cBhvr>
+                                        <p:cTn id="102" dur="1" fill="hold">
+                                          <p:stCondLst>
+                                            <p:cond delay="0"/>
+                                          </p:stCondLst>
+                                        </p:cTn>
+                                        <p:tgtEl>
+                                          <p:spTgt spid="72"/>
+                                        </p:tgtEl>
+                                        <p:attrNameLst>
+                                          <p:attrName>style.visibility</p:attrName>
+                                        </p:attrNameLst>
+                                      </p:cBhvr>
+                                      <p:to>
+                                        <p:strVal val="visible"/>
+                                      </p:to>
+                                    </p:set>
+                                    <p:animEffect transition="in" filter="fade">
+                                      <p:cBhvr>
+                                        <p:cTn id="103" dur="500"/>
+                                        <p:tgtEl>
+                                          <p:spTgt spid="72"/>
                                         </p:tgtEl>
                                       </p:cBhvr>
                                     </p:animEffect>
@@ -33380,32 +33291,32 @@
                     </p:cTn>
                   </p:par>
                   <p:par>
-                    <p:cTn id="93" fill="hold">
+                    <p:cTn id="104" fill="hold">
                       <p:stCondLst>
                         <p:cond delay="indefinite"/>
                       </p:stCondLst>
                       <p:childTnLst>
                         <p:par>
-                          <p:cTn id="94" fill="hold">
+                          <p:cTn id="105" fill="hold">
                             <p:stCondLst>
                               <p:cond delay="0"/>
                             </p:stCondLst>
                             <p:childTnLst>
                               <p:par>
-                                <p:cTn id="95" presetID="10" presetClass="entr" presetSubtype="0" fill="hold" grpId="0" nodeType="clickEffect">
+                                <p:cTn id="106" presetID="10" presetClass="entr" presetSubtype="0" fill="hold" nodeType="clickEffect">
                                   <p:stCondLst>
                                     <p:cond delay="0"/>
                                   </p:stCondLst>
                                   <p:childTnLst>
                                     <p:set>
                                       <p:cBhvr>
-                                        <p:cTn id="96" dur="1" fill="hold">
+                                        <p:cTn id="107" dur="1" fill="hold">
                                           <p:stCondLst>
                                             <p:cond delay="0"/>
                                           </p:stCondLst>
                                         </p:cTn>
                                         <p:tgtEl>
-                                          <p:spTgt spid="48"/>
+                                          <p:spTgt spid="53"/>
                                         </p:tgtEl>
                                         <p:attrNameLst>
                                           <p:attrName>style.visibility</p:attrName>
@@ -33417,9 +33328,9 @@
                                     </p:set>
                                     <p:animEffect transition="in" filter="fade">
                                       <p:cBhvr>
-                                        <p:cTn id="97" dur="500"/>
-                                        <p:tgtEl>
-                                          <p:spTgt spid="48"/>
+                                        <p:cTn id="108" dur="500"/>
+                                        <p:tgtEl>
+                                          <p:spTgt spid="53"/>
                                         </p:tgtEl>
                                       </p:cBhvr>
                                     </p:animEffect>
@@ -33427,20 +33338,20 @@
                                 </p:cTn>
                               </p:par>
                               <p:par>
-                                <p:cTn id="98" presetID="10" presetClass="entr" presetSubtype="0" fill="hold" nodeType="withEffect">
+                                <p:cTn id="109" presetID="10" presetClass="entr" presetSubtype="0" fill="hold" grpId="0" nodeType="withEffect">
                                   <p:stCondLst>
                                     <p:cond delay="0"/>
                                   </p:stCondLst>
                                   <p:childTnLst>
                                     <p:set>
                                       <p:cBhvr>
-                                        <p:cTn id="99" dur="1" fill="hold">
+                                        <p:cTn id="110" dur="1" fill="hold">
                                           <p:stCondLst>
                                             <p:cond delay="0"/>
                                           </p:stCondLst>
                                         </p:cTn>
                                         <p:tgtEl>
-                                          <p:spTgt spid="70"/>
+                                          <p:spTgt spid="14"/>
                                         </p:tgtEl>
                                         <p:attrNameLst>
                                           <p:attrName>style.visibility</p:attrName>
@@ -33452,114 +33363,9 @@
                                     </p:set>
                                     <p:animEffect transition="in" filter="fade">
                                       <p:cBhvr>
-                                        <p:cTn id="100" dur="500"/>
-                                        <p:tgtEl>
-                                          <p:spTgt spid="70"/>
-                                        </p:tgtEl>
-                                      </p:cBhvr>
-                                    </p:animEffect>
-                                  </p:childTnLst>
-                                </p:cTn>
-                              </p:par>
-                              <p:par>
-                                <p:cTn id="101" presetID="10" presetClass="entr" presetSubtype="0" fill="hold" nodeType="withEffect">
-                                  <p:stCondLst>
-                                    <p:cond delay="0"/>
-                                  </p:stCondLst>
-                                  <p:childTnLst>
-                                    <p:set>
-                                      <p:cBhvr>
-                                        <p:cTn id="102" dur="1" fill="hold">
-                                          <p:stCondLst>
-                                            <p:cond delay="0"/>
-                                          </p:stCondLst>
-                                        </p:cTn>
-                                        <p:tgtEl>
-                                          <p:spTgt spid="34"/>
-                                        </p:tgtEl>
-                                        <p:attrNameLst>
-                                          <p:attrName>style.visibility</p:attrName>
-                                        </p:attrNameLst>
-                                      </p:cBhvr>
-                                      <p:to>
-                                        <p:strVal val="visible"/>
-                                      </p:to>
-                                    </p:set>
-                                    <p:animEffect transition="in" filter="fade">
-                                      <p:cBhvr>
-                                        <p:cTn id="103" dur="500"/>
-                                        <p:tgtEl>
-                                          <p:spTgt spid="34"/>
-                                        </p:tgtEl>
-                                      </p:cBhvr>
-                                    </p:animEffect>
-                                  </p:childTnLst>
-                                </p:cTn>
-                              </p:par>
-                              <p:par>
-                                <p:cTn id="104" presetID="10" presetClass="entr" presetSubtype="0" fill="hold" nodeType="withEffect">
-                                  <p:stCondLst>
-                                    <p:cond delay="0"/>
-                                  </p:stCondLst>
-                                  <p:childTnLst>
-                                    <p:set>
-                                      <p:cBhvr>
-                                        <p:cTn id="105" dur="1" fill="hold">
-                                          <p:stCondLst>
-                                            <p:cond delay="0"/>
-                                          </p:stCondLst>
-                                        </p:cTn>
-                                        <p:tgtEl>
-                                          <p:spTgt spid="37"/>
-                                        </p:tgtEl>
-                                        <p:attrNameLst>
-                                          <p:attrName>style.visibility</p:attrName>
-                                        </p:attrNameLst>
-                                      </p:cBhvr>
-                                      <p:to>
-                                        <p:strVal val="visible"/>
-                                      </p:to>
-                                    </p:set>
-                                    <p:animEffect transition="in" filter="fade">
-                                      <p:cBhvr>
-                                        <p:cTn id="106" dur="500"/>
-                                        <p:tgtEl>
-                                          <p:spTgt spid="37"/>
-                                        </p:tgtEl>
-                                      </p:cBhvr>
-                                    </p:animEffect>
-                                  </p:childTnLst>
-                                </p:cTn>
-                              </p:par>
-                              <p:par>
-                                <p:cTn id="107" presetID="10" presetClass="entr" presetSubtype="0" fill="hold" grpId="0" nodeType="withEffect">
-                                  <p:stCondLst>
-                                    <p:cond delay="0"/>
-                                  </p:stCondLst>
-                                  <p:childTnLst>
-                                    <p:set>
-                                      <p:cBhvr>
-                                        <p:cTn id="108" dur="1" fill="hold">
-                                          <p:stCondLst>
-                                            <p:cond delay="0"/>
-                                          </p:stCondLst>
-                                        </p:cTn>
-                                        <p:tgtEl>
-                                          <p:spTgt spid="72"/>
-                                        </p:tgtEl>
-                                        <p:attrNameLst>
-                                          <p:attrName>style.visibility</p:attrName>
-                                        </p:attrNameLst>
-                                      </p:cBhvr>
-                                      <p:to>
-                                        <p:strVal val="visible"/>
-                                      </p:to>
-                                    </p:set>
-                                    <p:animEffect transition="in" filter="fade">
-                                      <p:cBhvr>
-                                        <p:cTn id="109" dur="500"/>
-                                        <p:tgtEl>
-                                          <p:spTgt spid="72"/>
+                                        <p:cTn id="111" dur="500"/>
+                                        <p:tgtEl>
+                                          <p:spTgt spid="14"/>
                                         </p:tgtEl>
                                       </p:cBhvr>
                                     </p:animEffect>
@@ -33573,32 +33379,32 @@
                     </p:cTn>
                   </p:par>
                   <p:par>
-                    <p:cTn id="110" fill="hold">
+                    <p:cTn id="112" fill="hold">
                       <p:stCondLst>
                         <p:cond delay="indefinite"/>
                       </p:stCondLst>
                       <p:childTnLst>
                         <p:par>
-                          <p:cTn id="111" fill="hold">
+                          <p:cTn id="113" fill="hold">
                             <p:stCondLst>
                               <p:cond delay="0"/>
                             </p:stCondLst>
                             <p:childTnLst>
                               <p:par>
-                                <p:cTn id="112" presetID="10" presetClass="entr" presetSubtype="0" fill="hold" nodeType="clickEffect">
+                                <p:cTn id="114" presetID="10" presetClass="entr" presetSubtype="0" fill="hold" nodeType="clickEffect">
                                   <p:stCondLst>
                                     <p:cond delay="0"/>
                                   </p:stCondLst>
                                   <p:childTnLst>
                                     <p:set>
                                       <p:cBhvr>
-                                        <p:cTn id="113" dur="1" fill="hold">
+                                        <p:cTn id="115" dur="1" fill="hold">
                                           <p:stCondLst>
                                             <p:cond delay="0"/>
                                           </p:stCondLst>
                                         </p:cTn>
                                         <p:tgtEl>
-                                          <p:spTgt spid="53"/>
+                                          <p:spTgt spid="54"/>
                                         </p:tgtEl>
                                         <p:attrNameLst>
                                           <p:attrName>style.visibility</p:attrName>
@@ -33610,44 +33416,9 @@
                                     </p:set>
                                     <p:animEffect transition="in" filter="fade">
                                       <p:cBhvr>
-                                        <p:cTn id="114" dur="500"/>
-                                        <p:tgtEl>
-                                          <p:spTgt spid="53"/>
-                                        </p:tgtEl>
-                                      </p:cBhvr>
-                                    </p:animEffect>
-                                  </p:childTnLst>
-                                </p:cTn>
-                              </p:par>
-                              <p:par>
-                                <p:cTn id="115" presetID="10" presetClass="entr" presetSubtype="0" fill="hold" grpId="0" nodeType="withEffect">
-                                  <p:stCondLst>
-                                    <p:cond delay="0"/>
-                                  </p:stCondLst>
-                                  <p:childTnLst>
-                                    <p:set>
-                                      <p:cBhvr>
-                                        <p:cTn id="116" dur="1" fill="hold">
-                                          <p:stCondLst>
-                                            <p:cond delay="0"/>
-                                          </p:stCondLst>
-                                        </p:cTn>
-                                        <p:tgtEl>
-                                          <p:spTgt spid="14"/>
-                                        </p:tgtEl>
-                                        <p:attrNameLst>
-                                          <p:attrName>style.visibility</p:attrName>
-                                        </p:attrNameLst>
-                                      </p:cBhvr>
-                                      <p:to>
-                                        <p:strVal val="visible"/>
-                                      </p:to>
-                                    </p:set>
-                                    <p:animEffect transition="in" filter="fade">
-                                      <p:cBhvr>
-                                        <p:cTn id="117" dur="500"/>
-                                        <p:tgtEl>
-                                          <p:spTgt spid="14"/>
+                                        <p:cTn id="116" dur="500"/>
+                                        <p:tgtEl>
+                                          <p:spTgt spid="54"/>
                                         </p:tgtEl>
                                       </p:cBhvr>
                                     </p:animEffect>
@@ -33661,32 +33432,32 @@
                     </p:cTn>
                   </p:par>
                   <p:par>
-                    <p:cTn id="118" fill="hold">
+                    <p:cTn id="117" fill="hold">
                       <p:stCondLst>
                         <p:cond delay="indefinite"/>
                       </p:stCondLst>
                       <p:childTnLst>
                         <p:par>
-                          <p:cTn id="119" fill="hold">
+                          <p:cTn id="118" fill="hold">
                             <p:stCondLst>
                               <p:cond delay="0"/>
                             </p:stCondLst>
                             <p:childTnLst>
                               <p:par>
-                                <p:cTn id="120" presetID="10" presetClass="entr" presetSubtype="0" fill="hold" nodeType="clickEffect">
+                                <p:cTn id="119" presetID="10" presetClass="entr" presetSubtype="0" fill="hold" nodeType="clickEffect">
                                   <p:stCondLst>
                                     <p:cond delay="0"/>
                                   </p:stCondLst>
                                   <p:childTnLst>
                                     <p:set>
                                       <p:cBhvr>
-                                        <p:cTn id="121" dur="1" fill="hold">
+                                        <p:cTn id="120" dur="1" fill="hold">
                                           <p:stCondLst>
                                             <p:cond delay="0"/>
                                           </p:stCondLst>
                                         </p:cTn>
                                         <p:tgtEl>
-                                          <p:spTgt spid="54"/>
+                                          <p:spTgt spid="71"/>
                                         </p:tgtEl>
                                         <p:attrNameLst>
                                           <p:attrName>style.visibility</p:attrName>
@@ -33698,9 +33469,184 @@
                                     </p:set>
                                     <p:animEffect transition="in" filter="fade">
                                       <p:cBhvr>
-                                        <p:cTn id="122" dur="500"/>
-                                        <p:tgtEl>
-                                          <p:spTgt spid="54"/>
+                                        <p:cTn id="121" dur="500"/>
+                                        <p:tgtEl>
+                                          <p:spTgt spid="71"/>
+                                        </p:tgtEl>
+                                      </p:cBhvr>
+                                    </p:animEffect>
+                                  </p:childTnLst>
+                                </p:cTn>
+                              </p:par>
+                              <p:par>
+                                <p:cTn id="122" presetID="10" presetClass="entr" presetSubtype="0" fill="hold" nodeType="withEffect">
+                                  <p:stCondLst>
+                                    <p:cond delay="0"/>
+                                  </p:stCondLst>
+                                  <p:childTnLst>
+                                    <p:set>
+                                      <p:cBhvr>
+                                        <p:cTn id="123" dur="1" fill="hold">
+                                          <p:stCondLst>
+                                            <p:cond delay="0"/>
+                                          </p:stCondLst>
+                                        </p:cTn>
+                                        <p:tgtEl>
+                                          <p:spTgt spid="58"/>
+                                        </p:tgtEl>
+                                        <p:attrNameLst>
+                                          <p:attrName>style.visibility</p:attrName>
+                                        </p:attrNameLst>
+                                      </p:cBhvr>
+                                      <p:to>
+                                        <p:strVal val="visible"/>
+                                      </p:to>
+                                    </p:set>
+                                    <p:animEffect transition="in" filter="fade">
+                                      <p:cBhvr>
+                                        <p:cTn id="124" dur="500"/>
+                                        <p:tgtEl>
+                                          <p:spTgt spid="58"/>
+                                        </p:tgtEl>
+                                      </p:cBhvr>
+                                    </p:animEffect>
+                                  </p:childTnLst>
+                                </p:cTn>
+                              </p:par>
+                              <p:par>
+                                <p:cTn id="125" presetID="10" presetClass="entr" presetSubtype="0" fill="hold" nodeType="withEffect">
+                                  <p:stCondLst>
+                                    <p:cond delay="0"/>
+                                  </p:stCondLst>
+                                  <p:childTnLst>
+                                    <p:set>
+                                      <p:cBhvr>
+                                        <p:cTn id="126" dur="1" fill="hold">
+                                          <p:stCondLst>
+                                            <p:cond delay="0"/>
+                                          </p:stCondLst>
+                                        </p:cTn>
+                                        <p:tgtEl>
+                                          <p:spTgt spid="55"/>
+                                        </p:tgtEl>
+                                        <p:attrNameLst>
+                                          <p:attrName>style.visibility</p:attrName>
+                                        </p:attrNameLst>
+                                      </p:cBhvr>
+                                      <p:to>
+                                        <p:strVal val="visible"/>
+                                      </p:to>
+                                    </p:set>
+                                    <p:animEffect transition="in" filter="fade">
+                                      <p:cBhvr>
+                                        <p:cTn id="127" dur="500"/>
+                                        <p:tgtEl>
+                                          <p:spTgt spid="55"/>
+                                        </p:tgtEl>
+                                      </p:cBhvr>
+                                    </p:animEffect>
+                                  </p:childTnLst>
+                                </p:cTn>
+                              </p:par>
+                              <p:par>
+                                <p:cTn id="128" presetID="10" presetClass="entr" presetSubtype="0" fill="hold" grpId="0" nodeType="withEffect">
+                                  <p:stCondLst>
+                                    <p:cond delay="0"/>
+                                  </p:stCondLst>
+                                  <p:childTnLst>
+                                    <p:set>
+                                      <p:cBhvr>
+                                        <p:cTn id="129" dur="1" fill="hold">
+                                          <p:stCondLst>
+                                            <p:cond delay="0"/>
+                                          </p:stCondLst>
+                                        </p:cTn>
+                                        <p:tgtEl>
+                                          <p:spTgt spid="68"/>
+                                        </p:tgtEl>
+                                        <p:attrNameLst>
+                                          <p:attrName>style.visibility</p:attrName>
+                                        </p:attrNameLst>
+                                      </p:cBhvr>
+                                      <p:to>
+                                        <p:strVal val="visible"/>
+                                      </p:to>
+                                    </p:set>
+                                    <p:animEffect transition="in" filter="fade">
+                                      <p:cBhvr>
+                                        <p:cTn id="130" dur="500"/>
+                                        <p:tgtEl>
+                                          <p:spTgt spid="68"/>
+                                        </p:tgtEl>
+                                      </p:cBhvr>
+                                    </p:animEffect>
+                                  </p:childTnLst>
+                                </p:cTn>
+                              </p:par>
+                              <p:par>
+                                <p:cTn id="131" presetID="10" presetClass="entr" presetSubtype="0" fill="hold" grpId="0" nodeType="withEffect">
+                                  <p:stCondLst>
+                                    <p:cond delay="0"/>
+                                  </p:stCondLst>
+                                  <p:childTnLst>
+                                    <p:set>
+                                      <p:cBhvr>
+                                        <p:cTn id="132" dur="1" fill="hold">
+                                          <p:stCondLst>
+                                            <p:cond delay="0"/>
+                                          </p:stCondLst>
+                                        </p:cTn>
+                                        <p:tgtEl>
+                                          <p:spTgt spid="49"/>
+                                        </p:tgtEl>
+                                        <p:attrNameLst>
+                                          <p:attrName>style.visibility</p:attrName>
+                                        </p:attrNameLst>
+                                      </p:cBhvr>
+                                      <p:to>
+                                        <p:strVal val="visible"/>
+                                      </p:to>
+                                    </p:set>
+                                    <p:animEffect transition="in" filter="fade">
+                                      <p:cBhvr>
+                                        <p:cTn id="133" dur="500"/>
+                                        <p:tgtEl>
+                                          <p:spTgt spid="49"/>
+                                        </p:tgtEl>
+                                      </p:cBhvr>
+                                    </p:animEffect>
+                                  </p:childTnLst>
+                                </p:cTn>
+                              </p:par>
+                              <p:par>
+                                <p:cTn id="134" presetID="10" presetClass="entr" presetSubtype="0" fill="hold" grpId="0" nodeType="withEffect">
+                                  <p:stCondLst>
+                                    <p:cond delay="0"/>
+                                  </p:stCondLst>
+                                  <p:childTnLst>
+                                    <p:set>
+                                      <p:cBhvr>
+                                        <p:cTn id="135" dur="1" fill="hold">
+                                          <p:stCondLst>
+                                            <p:cond delay="0"/>
+                                          </p:stCondLst>
+                                        </p:cTn>
+                                        <p:tgtEl>
+                                          <p:spTgt spid="69"/>
+                                        </p:tgtEl>
+                                        <p:attrNameLst>
+                                          <p:attrName>style.visibility</p:attrName>
+                                        </p:attrNameLst>
+                                      </p:cBhvr>
+                                      <p:to>
+                                        <p:strVal val="visible"/>
+                                      </p:to>
+                                    </p:set>
+                                    <p:animEffect transition="in" filter="fade">
+                                      <p:cBhvr>
+                                        <p:cTn id="136" dur="500"/>
+                                        <p:tgtEl>
+                                          <p:spTgt spid="69"/>
                                         </p:tgtEl>
                                       </p:cBhvr>
                                     </p:animEffect>
@@ -33714,254 +33660,26 @@
                     </p:cTn>
                   </p:par>
                   <p:par>
-                    <p:cTn id="123" fill="hold">
+                    <p:cTn id="137" fill="hold">
                       <p:stCondLst>
                         <p:cond delay="indefinite"/>
                       </p:stCondLst>
                       <p:childTnLst>
                         <p:par>
-                          <p:cTn id="124" fill="hold">
+                          <p:cTn id="138" fill="hold">
                             <p:stCondLst>
                               <p:cond delay="0"/>
                             </p:stCondLst>
                             <p:childTnLst>
                               <p:par>
-                                <p:cTn id="125" presetID="10" presetClass="entr" presetSubtype="0" fill="hold" nodeType="clickEffect">
-                                  <p:stCondLst>
-                                    <p:cond delay="0"/>
-                                  </p:stCondLst>
-                                  <p:childTnLst>
-                                    <p:set>
-                                      <p:cBhvr>
-                                        <p:cTn id="126" dur="1" fill="hold">
-                                          <p:stCondLst>
-                                            <p:cond delay="0"/>
-                                          </p:stCondLst>
-                                        </p:cTn>
-                                        <p:tgtEl>
-                                          <p:spTgt spid="71"/>
-                                        </p:tgtEl>
-                                        <p:attrNameLst>
-                                          <p:attrName>style.visibility</p:attrName>
-                                        </p:attrNameLst>
-                                      </p:cBhvr>
-                                      <p:to>
-                                        <p:strVal val="visible"/>
-                                      </p:to>
-                                    </p:set>
-                                    <p:animEffect transition="in" filter="fade">
-                                      <p:cBhvr>
-                                        <p:cTn id="127" dur="500"/>
-                                        <p:tgtEl>
-                                          <p:spTgt spid="71"/>
-                                        </p:tgtEl>
-                                      </p:cBhvr>
-                                    </p:animEffect>
-                                  </p:childTnLst>
-                                </p:cTn>
-                              </p:par>
-                              <p:par>
-                                <p:cTn id="128" presetID="10" presetClass="entr" presetSubtype="0" fill="hold" nodeType="withEffect">
-                                  <p:stCondLst>
-                                    <p:cond delay="0"/>
-                                  </p:stCondLst>
-                                  <p:childTnLst>
-                                    <p:set>
-                                      <p:cBhvr>
-                                        <p:cTn id="129" dur="1" fill="hold">
-                                          <p:stCondLst>
-                                            <p:cond delay="0"/>
-                                          </p:stCondLst>
-                                        </p:cTn>
-                                        <p:tgtEl>
-                                          <p:spTgt spid="58"/>
-                                        </p:tgtEl>
-                                        <p:attrNameLst>
-                                          <p:attrName>style.visibility</p:attrName>
-                                        </p:attrNameLst>
-                                      </p:cBhvr>
-                                      <p:to>
-                                        <p:strVal val="visible"/>
-                                      </p:to>
-                                    </p:set>
-                                    <p:animEffect transition="in" filter="fade">
-                                      <p:cBhvr>
-                                        <p:cTn id="130" dur="500"/>
-                                        <p:tgtEl>
-                                          <p:spTgt spid="58"/>
-                                        </p:tgtEl>
-                                      </p:cBhvr>
-                                    </p:animEffect>
-                                  </p:childTnLst>
-                                </p:cTn>
-                              </p:par>
-                              <p:par>
-                                <p:cTn id="131" presetID="10" presetClass="entr" presetSubtype="0" fill="hold" nodeType="withEffect">
-                                  <p:stCondLst>
-                                    <p:cond delay="0"/>
-                                  </p:stCondLst>
-                                  <p:childTnLst>
-                                    <p:set>
-                                      <p:cBhvr>
-                                        <p:cTn id="132" dur="1" fill="hold">
-                                          <p:stCondLst>
-                                            <p:cond delay="0"/>
-                                          </p:stCondLst>
-                                        </p:cTn>
-                                        <p:tgtEl>
-                                          <p:spTgt spid="55"/>
-                                        </p:tgtEl>
-                                        <p:attrNameLst>
-                                          <p:attrName>style.visibility</p:attrName>
-                                        </p:attrNameLst>
-                                      </p:cBhvr>
-                                      <p:to>
-                                        <p:strVal val="visible"/>
-                                      </p:to>
-                                    </p:set>
-                                    <p:animEffect transition="in" filter="fade">
-                                      <p:cBhvr>
-                                        <p:cTn id="133" dur="500"/>
-                                        <p:tgtEl>
-                                          <p:spTgt spid="55"/>
-                                        </p:tgtEl>
-                                      </p:cBhvr>
-                                    </p:animEffect>
-                                  </p:childTnLst>
-                                </p:cTn>
-                              </p:par>
-                              <p:par>
-                                <p:cTn id="134" presetID="10" presetClass="entr" presetSubtype="0" fill="hold" grpId="0" nodeType="withEffect">
-                                  <p:stCondLst>
-                                    <p:cond delay="0"/>
-                                  </p:stCondLst>
-                                  <p:childTnLst>
-                                    <p:set>
-                                      <p:cBhvr>
-                                        <p:cTn id="135" dur="1" fill="hold">
-                                          <p:stCondLst>
-                                            <p:cond delay="0"/>
-                                          </p:stCondLst>
-                                        </p:cTn>
-                                        <p:tgtEl>
-                                          <p:spTgt spid="68"/>
-                                        </p:tgtEl>
-                                        <p:attrNameLst>
-                                          <p:attrName>style.visibility</p:attrName>
-                                        </p:attrNameLst>
-                                      </p:cBhvr>
-                                      <p:to>
-                                        <p:strVal val="visible"/>
-                                      </p:to>
-                                    </p:set>
-                                    <p:animEffect transition="in" filter="fade">
-                                      <p:cBhvr>
-                                        <p:cTn id="136" dur="500"/>
-                                        <p:tgtEl>
-                                          <p:spTgt spid="68"/>
-                                        </p:tgtEl>
-                                      </p:cBhvr>
-                                    </p:animEffect>
-                                  </p:childTnLst>
-                                </p:cTn>
-                              </p:par>
-                              <p:par>
-                                <p:cTn id="137" presetID="10" presetClass="entr" presetSubtype="0" fill="hold" grpId="0" nodeType="withEffect">
-                                  <p:stCondLst>
-                                    <p:cond delay="0"/>
-                                  </p:stCondLst>
-                                  <p:childTnLst>
-                                    <p:set>
-                                      <p:cBhvr>
-                                        <p:cTn id="138" dur="1" fill="hold">
-                                          <p:stCondLst>
-                                            <p:cond delay="0"/>
-                                          </p:stCondLst>
-                                        </p:cTn>
-                                        <p:tgtEl>
-                                          <p:spTgt spid="49"/>
-                                        </p:tgtEl>
-                                        <p:attrNameLst>
-                                          <p:attrName>style.visibility</p:attrName>
-                                        </p:attrNameLst>
-                                      </p:cBhvr>
-                                      <p:to>
-                                        <p:strVal val="visible"/>
-                                      </p:to>
-                                    </p:set>
-                                    <p:animEffect transition="in" filter="fade">
-                                      <p:cBhvr>
-                                        <p:cTn id="139" dur="500"/>
-                                        <p:tgtEl>
-                                          <p:spTgt spid="49"/>
-                                        </p:tgtEl>
-                                      </p:cBhvr>
-                                    </p:animEffect>
-                                  </p:childTnLst>
-                                </p:cTn>
-                              </p:par>
-                              <p:par>
-                                <p:cTn id="140" presetID="10" presetClass="entr" presetSubtype="0" fill="hold" grpId="0" nodeType="withEffect">
-                                  <p:stCondLst>
-                                    <p:cond delay="0"/>
-                                  </p:stCondLst>
-                                  <p:childTnLst>
-                                    <p:set>
-                                      <p:cBhvr>
-                                        <p:cTn id="141" dur="1" fill="hold">
-                                          <p:stCondLst>
-                                            <p:cond delay="0"/>
-                                          </p:stCondLst>
-                                        </p:cTn>
-                                        <p:tgtEl>
-                                          <p:spTgt spid="69"/>
-                                        </p:tgtEl>
-                                        <p:attrNameLst>
-                                          <p:attrName>style.visibility</p:attrName>
-                                        </p:attrNameLst>
-                                      </p:cBhvr>
-                                      <p:to>
-                                        <p:strVal val="visible"/>
-                                      </p:to>
-                                    </p:set>
-                                    <p:animEffect transition="in" filter="fade">
-                                      <p:cBhvr>
-                                        <p:cTn id="142" dur="500"/>
-                                        <p:tgtEl>
-                                          <p:spTgt spid="69"/>
-                                        </p:tgtEl>
-                                      </p:cBhvr>
-                                    </p:animEffect>
-                                  </p:childTnLst>
-                                </p:cTn>
-                              </p:par>
-                            </p:childTnLst>
-                          </p:cTn>
-                        </p:par>
-                      </p:childTnLst>
-                    </p:cTn>
-                  </p:par>
-                  <p:par>
-                    <p:cTn id="143" fill="hold">
-                      <p:stCondLst>
-                        <p:cond delay="indefinite"/>
-                      </p:stCondLst>
-                      <p:childTnLst>
-                        <p:par>
-                          <p:cTn id="144" fill="hold">
-                            <p:stCondLst>
-                              <p:cond delay="0"/>
-                            </p:stCondLst>
-                            <p:childTnLst>
-                              <p:par>
-                                <p:cTn id="145" presetID="10" presetClass="exit" presetSubtype="0" fill="hold" nodeType="clickEffect">
+                                <p:cTn id="139" presetID="10" presetClass="exit" presetSubtype="0" fill="hold" nodeType="clickEffect">
                                   <p:stCondLst>
                                     <p:cond delay="0"/>
                                   </p:stCondLst>
                                   <p:childTnLst>
                                     <p:animEffect transition="out" filter="fade">
                                       <p:cBhvr>
-                                        <p:cTn id="146" dur="500"/>
+                                        <p:cTn id="140" dur="500"/>
                                         <p:tgtEl>
                                           <p:spTgt spid="54"/>
                                         </p:tgtEl>
@@ -33969,7 +33687,7 @@
                                     </p:animEffect>
                                     <p:set>
                                       <p:cBhvr>
-                                        <p:cTn id="147" dur="1" fill="hold">
+                                        <p:cTn id="141" dur="1" fill="hold">
                                           <p:stCondLst>
                                             <p:cond delay="499"/>
                                           </p:stCondLst>
@@ -33989,20 +33707,90 @@
                                 </p:cTn>
                               </p:par>
                               <p:par>
-                                <p:cTn id="148" presetID="10" presetClass="entr" presetSubtype="0" fill="hold" grpId="0" nodeType="withEffect">
+                                <p:cTn id="142" presetID="10" presetClass="entr" presetSubtype="0" fill="hold" grpId="0" nodeType="withEffect">
                                   <p:stCondLst>
                                     <p:cond delay="0"/>
                                   </p:stCondLst>
                                   <p:childTnLst>
                                     <p:set>
                                       <p:cBhvr>
+                                        <p:cTn id="143" dur="1" fill="hold">
+                                          <p:stCondLst>
+                                            <p:cond delay="0"/>
+                                          </p:stCondLst>
+                                        </p:cTn>
+                                        <p:tgtEl>
+                                          <p:spTgt spid="80"/>
+                                        </p:tgtEl>
+                                        <p:attrNameLst>
+                                          <p:attrName>style.visibility</p:attrName>
+                                        </p:attrNameLst>
+                                      </p:cBhvr>
+                                      <p:to>
+                                        <p:strVal val="visible"/>
+                                      </p:to>
+                                    </p:set>
+                                    <p:animEffect transition="in" filter="fade">
+                                      <p:cBhvr>
+                                        <p:cTn id="144" dur="500"/>
+                                        <p:tgtEl>
+                                          <p:spTgt spid="80"/>
+                                        </p:tgtEl>
+                                      </p:cBhvr>
+                                    </p:animEffect>
+                                  </p:childTnLst>
+                                </p:cTn>
+                              </p:par>
+                              <p:par>
+                                <p:cTn id="145" presetID="10" presetClass="entr" presetSubtype="0" fill="hold" nodeType="withEffect">
+                                  <p:stCondLst>
+                                    <p:cond delay="0"/>
+                                  </p:stCondLst>
+                                  <p:childTnLst>
+                                    <p:set>
+                                      <p:cBhvr>
+                                        <p:cTn id="146" dur="1" fill="hold">
+                                          <p:stCondLst>
+                                            <p:cond delay="0"/>
+                                          </p:stCondLst>
+                                        </p:cTn>
+                                        <p:tgtEl>
+                                          <p:spTgt spid="84"/>
+                                        </p:tgtEl>
+                                        <p:attrNameLst>
+                                          <p:attrName>style.visibility</p:attrName>
+                                        </p:attrNameLst>
+                                      </p:cBhvr>
+                                      <p:to>
+                                        <p:strVal val="visible"/>
+                                      </p:to>
+                                    </p:set>
+                                    <p:animEffect transition="in" filter="fade">
+                                      <p:cBhvr>
+                                        <p:cTn id="147" dur="500"/>
+                                        <p:tgtEl>
+                                          <p:spTgt spid="84"/>
+                                        </p:tgtEl>
+                                      </p:cBhvr>
+                                    </p:animEffect>
+                                  </p:childTnLst>
+                                </p:cTn>
+                              </p:par>
+                              <p:par>
+                                <p:cTn id="148" presetID="10" presetClass="entr" presetSubtype="0" fill="hold" nodeType="withEffect">
+                                  <p:stCondLst>
+                                    <p:cond delay="0"/>
+                                  </p:stCondLst>
+                                  <p:childTnLst>
+                                    <p:set>
+                                      <p:cBhvr>
                                         <p:cTn id="149" dur="1" fill="hold">
                                           <p:stCondLst>
                                             <p:cond delay="0"/>
                                           </p:stCondLst>
                                         </p:cTn>
                                         <p:tgtEl>
-                                          <p:spTgt spid="80"/>
+                                          <p:spTgt spid="85"/>
                                         </p:tgtEl>
                                         <p:attrNameLst>
                                           <p:attrName>style.visibility</p:attrName>
@@ -34015,76 +33803,6 @@
                                     <p:animEffect transition="in" filter="fade">
                                       <p:cBhvr>
                                         <p:cTn id="150" dur="500"/>
-                                        <p:tgtEl>
-                                          <p:spTgt spid="80"/>
-                                        </p:tgtEl>
-                                      </p:cBhvr>
-                                    </p:animEffect>
-                                  </p:childTnLst>
-                                </p:cTn>
-                              </p:par>
-                              <p:par>
-                                <p:cTn id="151" presetID="10" presetClass="entr" presetSubtype="0" fill="hold" nodeType="withEffect">
-                                  <p:stCondLst>
-                                    <p:cond delay="0"/>
-                                  </p:stCondLst>
-                                  <p:childTnLst>
-                                    <p:set>
-                                      <p:cBhvr>
-                                        <p:cTn id="152" dur="1" fill="hold">
-                                          <p:stCondLst>
-                                            <p:cond delay="0"/>
-                                          </p:stCondLst>
-                                        </p:cTn>
-                                        <p:tgtEl>
-                                          <p:spTgt spid="84"/>
-                                        </p:tgtEl>
-                                        <p:attrNameLst>
-                                          <p:attrName>style.visibility</p:attrName>
-                                        </p:attrNameLst>
-                                      </p:cBhvr>
-                                      <p:to>
-                                        <p:strVal val="visible"/>
-                                      </p:to>
-                                    </p:set>
-                                    <p:animEffect transition="in" filter="fade">
-                                      <p:cBhvr>
-                                        <p:cTn id="153" dur="500"/>
-                                        <p:tgtEl>
-                                          <p:spTgt spid="84"/>
-                                        </p:tgtEl>
-                                      </p:cBhvr>
-                                    </p:animEffect>
-                                  </p:childTnLst>
-                                </p:cTn>
-                              </p:par>
-                              <p:par>
-                                <p:cTn id="154" presetID="10" presetClass="entr" presetSubtype="0" fill="hold" nodeType="withEffect">
-                                  <p:stCondLst>
-                                    <p:cond delay="0"/>
-                                  </p:stCondLst>
-                                  <p:childTnLst>
-                                    <p:set>
-                                      <p:cBhvr>
-                                        <p:cTn id="155" dur="1" fill="hold">
-                                          <p:stCondLst>
-                                            <p:cond delay="0"/>
-                                          </p:stCondLst>
-                                        </p:cTn>
-                                        <p:tgtEl>
-                                          <p:spTgt spid="85"/>
-                                        </p:tgtEl>
-                                        <p:attrNameLst>
-                                          <p:attrName>style.visibility</p:attrName>
-                                        </p:attrNameLst>
-                                      </p:cBhvr>
-                                      <p:to>
-                                        <p:strVal val="visible"/>
-                                      </p:to>
-                                    </p:set>
-                                    <p:animEffect transition="in" filter="fade">
-                                      <p:cBhvr>
-                                        <p:cTn id="156" dur="500"/>
                                         <p:tgtEl>
                                           <p:spTgt spid="85"/>
                                         </p:tgtEl>
@@ -34134,8 +33852,6 @@
       <p:bldP spid="47" grpId="0" animBg="1"/>
       <p:bldP spid="48" grpId="0" animBg="1"/>
       <p:bldP spid="49" grpId="0" animBg="1"/>
-      <p:bldP spid="64" grpId="0" animBg="1"/>
-      <p:bldP spid="65" grpId="0" animBg="1"/>
       <p:bldP spid="68" grpId="0"/>
       <p:bldP spid="69" grpId="0" animBg="1"/>
       <p:bldP spid="72" grpId="0"/>
@@ -47708,27 +47424,12 @@
 </file>
 
 <file path=customXml/item1.xml><?xml version="1.0" encoding="utf-8"?>
-<p:properties xmlns:p="http://schemas.microsoft.com/office/2006/metadata/properties" xmlns:xsi="http://www.w3.org/2001/XMLSchema-instance" xmlns:pc="http://schemas.microsoft.com/office/infopath/2007/PartnerControls">
-  <documentManagement>
-    <SharedWithUsers xmlns="fb8203b4-fe31-4bd3-bf6e-7d3582ff5478">
-      <UserInfo>
-        <DisplayName>Anderson, Dave (Marketing)</DisplayName>
-        <AccountId>14</AccountId>
-        <AccountType/>
-      </UserInfo>
-      <UserInfo>
-        <DisplayName>Sims, Josh</DisplayName>
-        <AccountId>473</AccountId>
-        <AccountType/>
-      </UserInfo>
-      <UserInfo>
-        <DisplayName>Ward, Frances</DisplayName>
-        <AccountId>6</AccountId>
-        <AccountType/>
-      </UserInfo>
-    </SharedWithUsers>
-  </documentManagement>
-</p:properties>
+<?mso-contentType ?>
+<FormTemplates xmlns="http://schemas.microsoft.com/sharepoint/v3/contenttype/forms">
+  <Display>DocumentLibraryForm</Display>
+  <Edit>DocumentLibraryForm</Edit>
+  <New>DocumentLibraryForm</New>
+</FormTemplates>
 </file>
 
 <file path=customXml/item2.xml><?xml version="1.0" encoding="utf-8"?>
@@ -47915,28 +47616,33 @@
 </file>
 
 <file path=customXml/item3.xml><?xml version="1.0" encoding="utf-8"?>
-<?mso-contentType ?>
-<FormTemplates xmlns="http://schemas.microsoft.com/sharepoint/v3/contenttype/forms">
-  <Display>DocumentLibraryForm</Display>
-  <Edit>DocumentLibraryForm</Edit>
-  <New>DocumentLibraryForm</New>
-</FormTemplates>
+<p:properties xmlns:p="http://schemas.microsoft.com/office/2006/metadata/properties" xmlns:xsi="http://www.w3.org/2001/XMLSchema-instance" xmlns:pc="http://schemas.microsoft.com/office/infopath/2007/PartnerControls">
+  <documentManagement>
+    <SharedWithUsers xmlns="fb8203b4-fe31-4bd3-bf6e-7d3582ff5478">
+      <UserInfo>
+        <DisplayName>Anderson, Dave (Marketing)</DisplayName>
+        <AccountId>14</AccountId>
+        <AccountType/>
+      </UserInfo>
+      <UserInfo>
+        <DisplayName>Sims, Josh</DisplayName>
+        <AccountId>473</AccountId>
+        <AccountType/>
+      </UserInfo>
+      <UserInfo>
+        <DisplayName>Ward, Frances</DisplayName>
+        <AccountId>6</AccountId>
+        <AccountType/>
+      </UserInfo>
+    </SharedWithUsers>
+  </documentManagement>
+</p:properties>
 </file>
 
 <file path=customXml/itemProps1.xml><?xml version="1.0" encoding="utf-8"?>
-<ds:datastoreItem xmlns:ds="http://schemas.openxmlformats.org/officeDocument/2006/customXml" ds:itemID="{363305D2-0ECB-44A0-862C-949F259D46BE}">
+<ds:datastoreItem xmlns:ds="http://schemas.openxmlformats.org/officeDocument/2006/customXml" ds:itemID="{6075389F-D212-4F19-AFAD-C1BB4FFFE93B}">
   <ds:schemaRefs>
-    <ds:schemaRef ds:uri="http://schemas.openxmlformats.org/package/2006/metadata/core-properties"/>
-    <ds:schemaRef ds:uri="http://schemas.microsoft.com/office/2006/documentManagement/types"/>
-    <ds:schemaRef ds:uri="http://purl.org/dc/elements/1.1/"/>
-    <ds:schemaRef ds:uri="3e98d6c4-0a6a-4101-aaef-7401c2c41272"/>
-    <ds:schemaRef ds:uri="http://purl.org/dc/terms/"/>
-    <ds:schemaRef ds:uri="http://schemas.microsoft.com/office/infopath/2007/PartnerControls"/>
-    <ds:schemaRef ds:uri="http://www.w3.org/XML/1998/namespace"/>
-    <ds:schemaRef ds:uri="http://purl.org/dc/dcmitype/"/>
-    <ds:schemaRef ds:uri="dd1d8f26-fb76-4973-95d8-1c00742ea3ca"/>
-    <ds:schemaRef ds:uri="http://schemas.microsoft.com/office/2006/metadata/properties"/>
-    <ds:schemaRef ds:uri="fb8203b4-fe31-4bd3-bf6e-7d3582ff5478"/>
+    <ds:schemaRef ds:uri="http://schemas.microsoft.com/sharepoint/v3/contenttype/forms"/>
   </ds:schemaRefs>
 </ds:datastoreItem>
 </file>
@@ -47961,9 +47667,19 @@
 </file>
 
 <file path=customXml/itemProps3.xml><?xml version="1.0" encoding="utf-8"?>
-<ds:datastoreItem xmlns:ds="http://schemas.openxmlformats.org/officeDocument/2006/customXml" ds:itemID="{6075389F-D212-4F19-AFAD-C1BB4FFFE93B}">
+<ds:datastoreItem xmlns:ds="http://schemas.openxmlformats.org/officeDocument/2006/customXml" ds:itemID="{363305D2-0ECB-44A0-862C-949F259D46BE}">
   <ds:schemaRefs>
-    <ds:schemaRef ds:uri="http://schemas.microsoft.com/sharepoint/v3/contenttype/forms"/>
+    <ds:schemaRef ds:uri="http://schemas.openxmlformats.org/package/2006/metadata/core-properties"/>
+    <ds:schemaRef ds:uri="http://schemas.microsoft.com/office/2006/documentManagement/types"/>
+    <ds:schemaRef ds:uri="http://purl.org/dc/elements/1.1/"/>
+    <ds:schemaRef ds:uri="3e98d6c4-0a6a-4101-aaef-7401c2c41272"/>
+    <ds:schemaRef ds:uri="http://purl.org/dc/terms/"/>
+    <ds:schemaRef ds:uri="http://schemas.microsoft.com/office/infopath/2007/PartnerControls"/>
+    <ds:schemaRef ds:uri="http://www.w3.org/XML/1998/namespace"/>
+    <ds:schemaRef ds:uri="http://purl.org/dc/dcmitype/"/>
+    <ds:schemaRef ds:uri="dd1d8f26-fb76-4973-95d8-1c00742ea3ca"/>
+    <ds:schemaRef ds:uri="http://schemas.microsoft.com/office/2006/metadata/properties"/>
+    <ds:schemaRef ds:uri="fb8203b4-fe31-4bd3-bf6e-7d3582ff5478"/>
   </ds:schemaRefs>
 </ds:datastoreItem>
 </file>
--- a/workshop/08_Unbreakable_Delivery_Pipeline/ACMWorkshop_Unbreakable_Delivery_Pipeline.pptx
+++ b/workshop/08_Unbreakable_Delivery_Pipeline/ACMWorkshop_Unbreakable_Delivery_Pipeline.pptx
@@ -284,7 +284,7 @@
           <a:p>
             <a:fld id="{92955B36-A5B0-104D-B8CD-F883848663BE}" type="datetimeFigureOut">
               <a:rPr lang="en-US" smtClean="0"/>
-              <a:t>11/6/2018</a:t>
+              <a:t>11/8/2018</a:t>
             </a:fld>
             <a:endParaRPr lang="en-US"/>
           </a:p>
@@ -461,7 +461,7 @@
           <a:p>
             <a:fld id="{17C5C96F-C94A-4B4F-99A7-E5756576ABC1}" type="datetimeFigureOut">
               <a:rPr lang="en-US" smtClean="0"/>
-              <a:t>11/6/2018</a:t>
+              <a:t>11/8/2018</a:t>
             </a:fld>
             <a:endParaRPr lang="en-US"/>
           </a:p>
@@ -19859,7 +19859,7 @@
             <a:pPr algn="l"/>
             <a:r>
               <a:rPr lang="en-US" dirty="0"/>
-              <a:t>08_Unbreakable_Delivery_Pipeline</a:t>
+              <a:t>08 Unbreakable Delivery Pipeline</a:t>
             </a:r>
           </a:p>
           <a:p>
@@ -19869,7 +19869,7 @@
             </a:pPr>
             <a:r>
               <a:rPr lang="en-US" dirty="0"/>
-              <a:t>01_Harden_Staging_Pipeline_with_Quality_Gate</a:t>
+              <a:t>01 Harden Staging Pipeline with Quality Gate</a:t>
             </a:r>
           </a:p>
         </p:txBody>
@@ -24290,7 +24290,7 @@
             <a:pPr algn="l"/>
             <a:r>
               <a:rPr lang="en-US" dirty="0"/>
-              <a:t>08_Unbreakable_Delivery_Pipeline</a:t>
+              <a:t>08 Unbreakable Delivery Pipeline</a:t>
             </a:r>
           </a:p>
           <a:p>
@@ -24300,7 +24300,7 @@
             </a:pPr>
             <a:r>
               <a:rPr lang="en-US" dirty="0"/>
-              <a:t>02_Simulate_Early_Pipeline_Break</a:t>
+              <a:t>02 Simulate Early Pipeline Break</a:t>
             </a:r>
           </a:p>
         </p:txBody>
@@ -24389,7 +24389,7 @@
             <a:pPr algn="l"/>
             <a:r>
               <a:rPr lang="en-US" dirty="0"/>
-              <a:t>08_Unbreakable_Delivery_Pipeline</a:t>
+              <a:t>08 Unbreakable Delivery Pipeline</a:t>
             </a:r>
           </a:p>
           <a:p>
@@ -24399,7 +24399,7 @@
             </a:pPr>
             <a:r>
               <a:rPr lang="en-US" dirty="0"/>
-              <a:t>03_Setup_Self_Healing_for_Production</a:t>
+              <a:t>03 Setup Self Healing for Production</a:t>
             </a:r>
           </a:p>
         </p:txBody>
@@ -24488,7 +24488,7 @@
             <a:pPr algn="l"/>
             <a:r>
               <a:rPr lang="en-US" dirty="0"/>
-              <a:t>08_Unbreakable_Delivery_Pipeline</a:t>
+              <a:t>08 Unbreakable Delivery Pipeline</a:t>
             </a:r>
           </a:p>
           <a:p>
@@ -24498,7 +24498,7 @@
             </a:pPr>
             <a:r>
               <a:rPr lang="en-US" dirty="0"/>
-              <a:t>04_Simulate_a_Bad_Production_Deployment</a:t>
+              <a:t>04 Simulate a Bad Production Deployment</a:t>
             </a:r>
           </a:p>
         </p:txBody>
@@ -24598,76 +24598,35 @@
           <a:p>
             <a:pPr lvl="1"/>
             <a:r>
-              <a:rPr lang="en-US" dirty="0">
-                <a:highlight>
-                  <a:srgbClr val="FFFF00"/>
-                </a:highlight>
-              </a:rPr>
-              <a:t>Check Automated Tagging Rule (dev, staging, prod)</a:t>
+              <a:rPr lang="en-US" dirty="0"/>
+              <a:t>Harden Staging Pipeline with Quality Gate</a:t>
             </a:r>
           </a:p>
           <a:p>
             <a:pPr lvl="1"/>
             <a:r>
-              <a:rPr lang="en-US" dirty="0">
-                <a:highlight>
-                  <a:srgbClr val="FFFF00"/>
-                </a:highlight>
-              </a:rPr>
-              <a:t>Re-Run Pipeline and observe results </a:t>
+              <a:rPr lang="en-US" dirty="0"/>
+              <a:t>Simulate Early Pipeline Break</a:t>
             </a:r>
           </a:p>
           <a:p>
             <a:pPr lvl="1"/>
             <a:r>
-              <a:rPr lang="en-US" dirty="0">
-                <a:highlight>
-                  <a:srgbClr val="FFFF00"/>
-                </a:highlight>
-              </a:rPr>
-              <a:t>Simulate a Bad Build (Build #2) </a:t>
+              <a:rPr lang="en-US" dirty="0"/>
+              <a:t>Setup Self Healing for Production</a:t>
             </a:r>
           </a:p>
           <a:p>
             <a:pPr lvl="1"/>
             <a:r>
-              <a:rPr lang="en-US" dirty="0">
-                <a:highlight>
-                  <a:srgbClr val="FFFF00"/>
-                </a:highlight>
-              </a:rPr>
-              <a:t>Simulate a Good Build (Build #3) </a:t>
+              <a:rPr lang="en-US" dirty="0"/>
+              <a:t>Simulate a Bad Production Deployment</a:t>
             </a:r>
-          </a:p>
-          <a:p>
-            <a:pPr lvl="1"/>
             <a:endParaRPr lang="en-US" dirty="0">
               <a:highlight>
                 <a:srgbClr val="FFFF00"/>
               </a:highlight>
             </a:endParaRPr>
-          </a:p>
-          <a:p>
-            <a:pPr lvl="1"/>
-            <a:r>
-              <a:rPr lang="en-US" dirty="0">
-                <a:highlight>
-                  <a:srgbClr val="FFFF00"/>
-                </a:highlight>
-              </a:rPr>
-              <a:t>Setup “Automated Rollback” for Production </a:t>
-            </a:r>
-          </a:p>
-          <a:p>
-            <a:pPr lvl="1"/>
-            <a:r>
-              <a:rPr lang="en-US" dirty="0">
-                <a:highlight>
-                  <a:srgbClr val="FFFF00"/>
-                </a:highlight>
-              </a:rPr>
-              <a:t>Simulate a Bad Production Deployment (Build #4) </a:t>
-            </a:r>
           </a:p>
           <a:p>
             <a:r>
@@ -24787,19 +24746,15 @@
             <a:pPr lvl="1"/>
             <a:r>
               <a:rPr lang="en-US" dirty="0"/>
-              <a:t>?</a:t>
+              <a:t>Blue-green and Canary Deployment</a:t>
             </a:r>
           </a:p>
           <a:p>
             <a:pPr lvl="1"/>
             <a:r>
               <a:rPr lang="en-US" dirty="0"/>
-              <a:t>?</a:t>
+              <a:t>Runbook Automation and Self-Healing</a:t>
             </a:r>
-          </a:p>
-          <a:p>
-            <a:pPr lvl="1"/>
-            <a:endParaRPr lang="en-US" dirty="0"/>
           </a:p>
           <a:p>
             <a:pPr lvl="1"/>
@@ -34333,8 +34288,25 @@
                 <a:latin typeface="Courier New" panose="02070309020205020404" pitchFamily="49" charset="0"/>
                 <a:cs typeface="Courier New" panose="02070309020205020404" pitchFamily="49" charset="0"/>
               </a:rPr>
-              <a:t>HOST_GROUP=k8s_cluster_sockshop</a:t>
+              <a:t>HOST GROUP=k8s cluster </a:t>
             </a:r>
+            <a:r>
+              <a:rPr lang="en-US" sz="1067" b="1" dirty="0" err="1">
+                <a:solidFill>
+                  <a:srgbClr val="FFFFFF"/>
+                </a:solidFill>
+                <a:latin typeface="Courier New" panose="02070309020205020404" pitchFamily="49" charset="0"/>
+                <a:cs typeface="Courier New" panose="02070309020205020404" pitchFamily="49" charset="0"/>
+              </a:rPr>
+              <a:t>sockshop</a:t>
+            </a:r>
+            <a:endParaRPr lang="en-US" sz="1067" b="1" dirty="0">
+              <a:solidFill>
+                <a:srgbClr val="FFFFFF"/>
+              </a:solidFill>
+              <a:latin typeface="Courier New" panose="02070309020205020404" pitchFamily="49" charset="0"/>
+              <a:cs typeface="Courier New" panose="02070309020205020404" pitchFamily="49" charset="0"/>
+            </a:endParaRPr>
           </a:p>
           <a:p>
             <a:endParaRPr lang="en-US" sz="1067" b="1" dirty="0">
@@ -34636,7 +34608,7 @@
                 <a:latin typeface="Courier New" panose="02070309020205020404" pitchFamily="49" charset="0"/>
                 <a:cs typeface="Courier New" panose="02070309020205020404" pitchFamily="49" charset="0"/>
               </a:rPr>
-              <a:t>DT_TAGS</a:t>
+              <a:t>DT TAGS</a:t>
             </a:r>
             <a:r>
               <a:rPr lang="en-US" sz="1067" dirty="0">
@@ -34646,7 +34618,7 @@
                 <a:latin typeface="Courier New" panose="02070309020205020404" pitchFamily="49" charset="0"/>
                 <a:cs typeface="Courier New" panose="02070309020205020404" pitchFamily="49" charset="0"/>
               </a:rPr>
-              <a:t>=APP_NAME=Sample</a:t>
+              <a:t>=APP NAME=Sample</a:t>
             </a:r>
           </a:p>
           <a:p>
@@ -34659,7 +34631,7 @@
                 <a:latin typeface="Courier New" panose="02070309020205020404" pitchFamily="49" charset="0"/>
                 <a:cs typeface="Courier New" panose="02070309020205020404" pitchFamily="49" charset="0"/>
               </a:rPr>
-              <a:t>DT_CUSTOM_PROPS</a:t>
+              <a:t>DT CUSTOM PROPS</a:t>
             </a:r>
             <a:r>
               <a:rPr lang="en-US" sz="1067" dirty="0">
@@ -34682,7 +34654,7 @@
                 <a:latin typeface="Courier New" panose="02070309020205020404" pitchFamily="49" charset="0"/>
                 <a:cs typeface="Courier New" panose="02070309020205020404" pitchFamily="49" charset="0"/>
               </a:rPr>
-              <a:t>DT_NODE_ID</a:t>
+              <a:t>DT NODE ID</a:t>
             </a:r>
             <a:r>
               <a:rPr lang="en-US" sz="1067" dirty="0">
@@ -47424,12 +47396,27 @@
 </file>
 
 <file path=customXml/item1.xml><?xml version="1.0" encoding="utf-8"?>
-<?mso-contentType ?>
-<FormTemplates xmlns="http://schemas.microsoft.com/sharepoint/v3/contenttype/forms">
-  <Display>DocumentLibraryForm</Display>
-  <Edit>DocumentLibraryForm</Edit>
-  <New>DocumentLibraryForm</New>
-</FormTemplates>
+<p:properties xmlns:p="http://schemas.microsoft.com/office/2006/metadata/properties" xmlns:xsi="http://www.w3.org/2001/XMLSchema-instance" xmlns:pc="http://schemas.microsoft.com/office/infopath/2007/PartnerControls">
+  <documentManagement>
+    <SharedWithUsers xmlns="fb8203b4-fe31-4bd3-bf6e-7d3582ff5478">
+      <UserInfo>
+        <DisplayName>Anderson, Dave (Marketing)</DisplayName>
+        <AccountId>14</AccountId>
+        <AccountType/>
+      </UserInfo>
+      <UserInfo>
+        <DisplayName>Sims, Josh</DisplayName>
+        <AccountId>473</AccountId>
+        <AccountType/>
+      </UserInfo>
+      <UserInfo>
+        <DisplayName>Ward, Frances</DisplayName>
+        <AccountId>6</AccountId>
+        <AccountType/>
+      </UserInfo>
+    </SharedWithUsers>
+  </documentManagement>
+</p:properties>
 </file>
 
 <file path=customXml/item2.xml><?xml version="1.0" encoding="utf-8"?>
@@ -47616,33 +47603,28 @@
 </file>
 
 <file path=customXml/item3.xml><?xml version="1.0" encoding="utf-8"?>
-<p:properties xmlns:p="http://schemas.microsoft.com/office/2006/metadata/properties" xmlns:xsi="http://www.w3.org/2001/XMLSchema-instance" xmlns:pc="http://schemas.microsoft.com/office/infopath/2007/PartnerControls">
-  <documentManagement>
-    <SharedWithUsers xmlns="fb8203b4-fe31-4bd3-bf6e-7d3582ff5478">
-      <UserInfo>
-        <DisplayName>Anderson, Dave (Marketing)</DisplayName>
-        <AccountId>14</AccountId>
-        <AccountType/>
-      </UserInfo>
-      <UserInfo>
-        <DisplayName>Sims, Josh</DisplayName>
-        <AccountId>473</AccountId>
-        <AccountType/>
-      </UserInfo>
-      <UserInfo>
-        <DisplayName>Ward, Frances</DisplayName>
-        <AccountId>6</AccountId>
-        <AccountType/>
-      </UserInfo>
-    </SharedWithUsers>
-  </documentManagement>
-</p:properties>
+<?mso-contentType ?>
+<FormTemplates xmlns="http://schemas.microsoft.com/sharepoint/v3/contenttype/forms">
+  <Display>DocumentLibraryForm</Display>
+  <Edit>DocumentLibraryForm</Edit>
+  <New>DocumentLibraryForm</New>
+</FormTemplates>
 </file>
 
 <file path=customXml/itemProps1.xml><?xml version="1.0" encoding="utf-8"?>
-<ds:datastoreItem xmlns:ds="http://schemas.openxmlformats.org/officeDocument/2006/customXml" ds:itemID="{6075389F-D212-4F19-AFAD-C1BB4FFFE93B}">
+<ds:datastoreItem xmlns:ds="http://schemas.openxmlformats.org/officeDocument/2006/customXml" ds:itemID="{363305D2-0ECB-44A0-862C-949F259D46BE}">
   <ds:schemaRefs>
-    <ds:schemaRef ds:uri="http://schemas.microsoft.com/sharepoint/v3/contenttype/forms"/>
+    <ds:schemaRef ds:uri="http://schemas.openxmlformats.org/package/2006/metadata/core-properties"/>
+    <ds:schemaRef ds:uri="http://schemas.microsoft.com/office/2006/documentManagement/types"/>
+    <ds:schemaRef ds:uri="http://purl.org/dc/elements/1.1/"/>
+    <ds:schemaRef ds:uri="3e98d6c4-0a6a-4101-aaef-7401c2c41272"/>
+    <ds:schemaRef ds:uri="http://purl.org/dc/terms/"/>
+    <ds:schemaRef ds:uri="http://schemas.microsoft.com/office/infopath/2007/PartnerControls"/>
+    <ds:schemaRef ds:uri="http://www.w3.org/XML/1998/namespace"/>
+    <ds:schemaRef ds:uri="http://purl.org/dc/dcmitype/"/>
+    <ds:schemaRef ds:uri="dd1d8f26-fb76-4973-95d8-1c00742ea3ca"/>
+    <ds:schemaRef ds:uri="http://schemas.microsoft.com/office/2006/metadata/properties"/>
+    <ds:schemaRef ds:uri="fb8203b4-fe31-4bd3-bf6e-7d3582ff5478"/>
   </ds:schemaRefs>
 </ds:datastoreItem>
 </file>
@@ -47667,19 +47649,9 @@
 </file>
 
 <file path=customXml/itemProps3.xml><?xml version="1.0" encoding="utf-8"?>
-<ds:datastoreItem xmlns:ds="http://schemas.openxmlformats.org/officeDocument/2006/customXml" ds:itemID="{363305D2-0ECB-44A0-862C-949F259D46BE}">
+<ds:datastoreItem xmlns:ds="http://schemas.openxmlformats.org/officeDocument/2006/customXml" ds:itemID="{6075389F-D212-4F19-AFAD-C1BB4FFFE93B}">
   <ds:schemaRefs>
-    <ds:schemaRef ds:uri="http://schemas.openxmlformats.org/package/2006/metadata/core-properties"/>
-    <ds:schemaRef ds:uri="http://schemas.microsoft.com/office/2006/documentManagement/types"/>
-    <ds:schemaRef ds:uri="http://purl.org/dc/elements/1.1/"/>
-    <ds:schemaRef ds:uri="3e98d6c4-0a6a-4101-aaef-7401c2c41272"/>
-    <ds:schemaRef ds:uri="http://purl.org/dc/terms/"/>
-    <ds:schemaRef ds:uri="http://schemas.microsoft.com/office/infopath/2007/PartnerControls"/>
-    <ds:schemaRef ds:uri="http://www.w3.org/XML/1998/namespace"/>
-    <ds:schemaRef ds:uri="http://purl.org/dc/dcmitype/"/>
-    <ds:schemaRef ds:uri="dd1d8f26-fb76-4973-95d8-1c00742ea3ca"/>
-    <ds:schemaRef ds:uri="http://schemas.microsoft.com/office/2006/metadata/properties"/>
-    <ds:schemaRef ds:uri="fb8203b4-fe31-4bd3-bf6e-7d3582ff5478"/>
+    <ds:schemaRef ds:uri="http://schemas.microsoft.com/sharepoint/v3/contenttype/forms"/>
   </ds:schemaRefs>
 </ds:datastoreItem>
 </file>